--- a/design-review-presentation-template.pptx
+++ b/design-review-presentation-template.pptx
@@ -351,926 +351,224 @@
 <file path=ppt/changesInfos/changesInfo1.xml><?xml version="1.0" encoding="utf-8"?>
 <pc:chgInfo xmlns:a="http://schemas.openxmlformats.org/drawingml/2006/main" xmlns:r="http://schemas.openxmlformats.org/officeDocument/2006/relationships" xmlns:ac="http://schemas.microsoft.com/office/drawing/2013/main/command" xmlns:pc="http://schemas.microsoft.com/office/powerpoint/2013/main/command">
   <pc:docChgLst>
-    <pc:chgData name="Ivan Igoshev" userId="a040743a-0e34-48e2-a9f5-26858867d0d3" providerId="ADAL" clId="{1AD43353-6C96-451A-BB55-BC75F83E7E77}"/>
-    <pc:docChg chg="undo custSel addSld delSld modSld sldOrd modMainMaster">
-      <pc:chgData name="Ivan Igoshev" userId="a040743a-0e34-48e2-a9f5-26858867d0d3" providerId="ADAL" clId="{1AD43353-6C96-451A-BB55-BC75F83E7E77}" dt="2022-01-27T23:29:06.410" v="856" actId="1076"/>
+    <pc:chgData name="Henry Xue" userId="S::y58xue@uwaterloo.ca::bbcaf59e-638b-4de5-ac4e-0f843742cd8f" providerId="AD" clId="Web-{E8EE1176-88ED-4B27-A1B1-4687CDE7A6F3}"/>
+    <pc:docChg chg="addSld modSld">
+      <pc:chgData name="Henry Xue" userId="S::y58xue@uwaterloo.ca::bbcaf59e-638b-4de5-ac4e-0f843742cd8f" providerId="AD" clId="Web-{E8EE1176-88ED-4B27-A1B1-4687CDE7A6F3}" dt="2022-01-27T18:55:51.199" v="190" actId="20577"/>
       <pc:docMkLst>
         <pc:docMk/>
       </pc:docMkLst>
-      <pc:sldChg chg="modSp mod setBg">
-        <pc:chgData name="Ivan Igoshev" userId="a040743a-0e34-48e2-a9f5-26858867d0d3" providerId="ADAL" clId="{1AD43353-6C96-451A-BB55-BC75F83E7E77}" dt="2022-01-27T22:23:58.449" v="24"/>
-        <pc:sldMkLst>
-          <pc:docMk/>
-          <pc:sldMk cId="0" sldId="256"/>
-        </pc:sldMkLst>
-        <pc:spChg chg="mod">
-          <ac:chgData name="Ivan Igoshev" userId="a040743a-0e34-48e2-a9f5-26858867d0d3" providerId="ADAL" clId="{1AD43353-6C96-451A-BB55-BC75F83E7E77}" dt="2022-01-27T21:27:30.236" v="5" actId="20577"/>
-          <ac:spMkLst>
-            <pc:docMk/>
-            <pc:sldMk cId="0" sldId="256"/>
-            <ac:spMk id="9" creationId="{E185C6D9-07C1-4768-AE58-D03FF6330351}"/>
-          </ac:spMkLst>
-        </pc:spChg>
-        <pc:picChg chg="mod">
-          <ac:chgData name="Ivan Igoshev" userId="a040743a-0e34-48e2-a9f5-26858867d0d3" providerId="ADAL" clId="{1AD43353-6C96-451A-BB55-BC75F83E7E77}" dt="2022-01-27T22:02:36.394" v="14" actId="1076"/>
-          <ac:picMkLst>
-            <pc:docMk/>
-            <pc:sldMk cId="0" sldId="256"/>
-            <ac:picMk id="7" creationId="{24E9226E-DAAC-4F6D-AC29-89A0FF5CA72D}"/>
-          </ac:picMkLst>
-        </pc:picChg>
-      </pc:sldChg>
-      <pc:sldChg chg="addSp delSp modSp mod">
-        <pc:chgData name="Ivan Igoshev" userId="a040743a-0e34-48e2-a9f5-26858867d0d3" providerId="ADAL" clId="{1AD43353-6C96-451A-BB55-BC75F83E7E77}" dt="2022-01-27T22:54:08.247" v="491" actId="207"/>
-        <pc:sldMkLst>
-          <pc:docMk/>
-          <pc:sldMk cId="0" sldId="257"/>
-        </pc:sldMkLst>
-        <pc:spChg chg="add mod">
-          <ac:chgData name="Ivan Igoshev" userId="a040743a-0e34-48e2-a9f5-26858867d0d3" providerId="ADAL" clId="{1AD43353-6C96-451A-BB55-BC75F83E7E77}" dt="2022-01-27T22:54:08.247" v="491" actId="207"/>
-          <ac:spMkLst>
-            <pc:docMk/>
-            <pc:sldMk cId="0" sldId="257"/>
-            <ac:spMk id="4" creationId="{16A0BE12-8AF0-4BAE-849B-A966CFFF83C6}"/>
-          </ac:spMkLst>
-        </pc:spChg>
-        <pc:picChg chg="add mod">
-          <ac:chgData name="Ivan Igoshev" userId="a040743a-0e34-48e2-a9f5-26858867d0d3" providerId="ADAL" clId="{1AD43353-6C96-451A-BB55-BC75F83E7E77}" dt="2022-01-27T22:26:15.784" v="41" actId="14100"/>
-          <ac:picMkLst>
-            <pc:docMk/>
-            <pc:sldMk cId="0" sldId="257"/>
-            <ac:picMk id="3" creationId="{7C637968-FB00-4624-87A4-C72865099004}"/>
-          </ac:picMkLst>
-        </pc:picChg>
-        <pc:picChg chg="del">
-          <ac:chgData name="Ivan Igoshev" userId="a040743a-0e34-48e2-a9f5-26858867d0d3" providerId="ADAL" clId="{1AD43353-6C96-451A-BB55-BC75F83E7E77}" dt="2022-01-27T22:24:48.615" v="25" actId="478"/>
-          <ac:picMkLst>
-            <pc:docMk/>
-            <pc:sldMk cId="0" sldId="257"/>
-            <ac:picMk id="7" creationId="{5389AA11-4A5B-4045-8AFB-28DE77542377}"/>
-          </ac:picMkLst>
-        </pc:picChg>
-        <pc:picChg chg="del">
-          <ac:chgData name="Ivan Igoshev" userId="a040743a-0e34-48e2-a9f5-26858867d0d3" providerId="ADAL" clId="{1AD43353-6C96-451A-BB55-BC75F83E7E77}" dt="2022-01-27T21:21:49.015" v="0" actId="478"/>
-          <ac:picMkLst>
-            <pc:docMk/>
-            <pc:sldMk cId="0" sldId="257"/>
-            <ac:picMk id="9" creationId="{B8A97FD9-1E4E-4DB8-8A8D-43DDA1EC31DF}"/>
-          </ac:picMkLst>
-        </pc:picChg>
-      </pc:sldChg>
-      <pc:sldChg chg="delSp modSp del mod">
-        <pc:chgData name="Ivan Igoshev" userId="a040743a-0e34-48e2-a9f5-26858867d0d3" providerId="ADAL" clId="{1AD43353-6C96-451A-BB55-BC75F83E7E77}" dt="2022-01-27T23:25:03.579" v="719" actId="47"/>
-        <pc:sldMkLst>
-          <pc:docMk/>
-          <pc:sldMk cId="0" sldId="261"/>
-        </pc:sldMkLst>
-        <pc:spChg chg="del mod">
-          <ac:chgData name="Ivan Igoshev" userId="a040743a-0e34-48e2-a9f5-26858867d0d3" providerId="ADAL" clId="{1AD43353-6C96-451A-BB55-BC75F83E7E77}" dt="2022-01-27T23:05:34.415" v="536" actId="478"/>
-          <ac:spMkLst>
-            <pc:docMk/>
-            <pc:sldMk cId="0" sldId="261"/>
-            <ac:spMk id="173" creationId="{00000000-0000-0000-0000-000000000000}"/>
-          </ac:spMkLst>
-        </pc:spChg>
-      </pc:sldChg>
-      <pc:sldChg chg="modSp mod ord">
-        <pc:chgData name="Ivan Igoshev" userId="a040743a-0e34-48e2-a9f5-26858867d0d3" providerId="ADAL" clId="{1AD43353-6C96-451A-BB55-BC75F83E7E77}" dt="2022-01-27T23:25:58.263" v="725"/>
-        <pc:sldMkLst>
-          <pc:docMk/>
-          <pc:sldMk cId="1887436794" sldId="263"/>
-        </pc:sldMkLst>
-        <pc:spChg chg="mod">
-          <ac:chgData name="Ivan Igoshev" userId="a040743a-0e34-48e2-a9f5-26858867d0d3" providerId="ADAL" clId="{1AD43353-6C96-451A-BB55-BC75F83E7E77}" dt="2022-01-27T23:21:39.638" v="700" actId="20577"/>
-          <ac:spMkLst>
-            <pc:docMk/>
-            <pc:sldMk cId="1887436794" sldId="263"/>
-            <ac:spMk id="156" creationId="{00000000-0000-0000-0000-000000000000}"/>
-          </ac:spMkLst>
-        </pc:spChg>
-        <pc:spChg chg="mod">
-          <ac:chgData name="Ivan Igoshev" userId="a040743a-0e34-48e2-a9f5-26858867d0d3" providerId="ADAL" clId="{1AD43353-6C96-451A-BB55-BC75F83E7E77}" dt="2022-01-27T23:21:46.007" v="701" actId="20577"/>
-          <ac:spMkLst>
-            <pc:docMk/>
-            <pc:sldMk cId="1887436794" sldId="263"/>
-            <ac:spMk id="157" creationId="{00000000-0000-0000-0000-000000000000}"/>
-          </ac:spMkLst>
-        </pc:spChg>
-      </pc:sldChg>
-      <pc:sldChg chg="del">
-        <pc:chgData name="Ivan Igoshev" userId="a040743a-0e34-48e2-a9f5-26858867d0d3" providerId="ADAL" clId="{1AD43353-6C96-451A-BB55-BC75F83E7E77}" dt="2022-01-27T23:20:42.274" v="679" actId="47"/>
-        <pc:sldMkLst>
-          <pc:docMk/>
-          <pc:sldMk cId="4123418781" sldId="264"/>
-        </pc:sldMkLst>
-      </pc:sldChg>
-      <pc:sldChg chg="delSp del mod">
-        <pc:chgData name="Ivan Igoshev" userId="a040743a-0e34-48e2-a9f5-26858867d0d3" providerId="ADAL" clId="{1AD43353-6C96-451A-BB55-BC75F83E7E77}" dt="2022-01-27T22:24:52.085" v="27" actId="47"/>
-        <pc:sldMkLst>
-          <pc:docMk/>
-          <pc:sldMk cId="3152170496" sldId="266"/>
-        </pc:sldMkLst>
-        <pc:picChg chg="del">
-          <ac:chgData name="Ivan Igoshev" userId="a040743a-0e34-48e2-a9f5-26858867d0d3" providerId="ADAL" clId="{1AD43353-6C96-451A-BB55-BC75F83E7E77}" dt="2022-01-27T22:24:50.278" v="26" actId="478"/>
-          <ac:picMkLst>
-            <pc:docMk/>
-            <pc:sldMk cId="3152170496" sldId="266"/>
-            <ac:picMk id="3" creationId="{C7C301D6-CBA7-4583-91B1-8329E58DB3E3}"/>
-          </ac:picMkLst>
-        </pc:picChg>
-      </pc:sldChg>
-      <pc:sldChg chg="addSp modSp mod">
-        <pc:chgData name="Ivan Igoshev" userId="a040743a-0e34-48e2-a9f5-26858867d0d3" providerId="ADAL" clId="{1AD43353-6C96-451A-BB55-BC75F83E7E77}" dt="2022-01-27T23:24:34.562" v="718" actId="207"/>
-        <pc:sldMkLst>
-          <pc:docMk/>
-          <pc:sldMk cId="1389920690" sldId="267"/>
-        </pc:sldMkLst>
-        <pc:spChg chg="add mod">
-          <ac:chgData name="Ivan Igoshev" userId="a040743a-0e34-48e2-a9f5-26858867d0d3" providerId="ADAL" clId="{1AD43353-6C96-451A-BB55-BC75F83E7E77}" dt="2022-01-27T23:22:55.606" v="703" actId="207"/>
-          <ac:spMkLst>
-            <pc:docMk/>
-            <pc:sldMk cId="1389920690" sldId="267"/>
-            <ac:spMk id="5" creationId="{F3DCC241-8DC4-437D-9505-DB87EC9E1743}"/>
-          </ac:spMkLst>
-        </pc:spChg>
-        <pc:spChg chg="add mod">
-          <ac:chgData name="Ivan Igoshev" userId="a040743a-0e34-48e2-a9f5-26858867d0d3" providerId="ADAL" clId="{1AD43353-6C96-451A-BB55-BC75F83E7E77}" dt="2022-01-27T23:23:23.411" v="705" actId="207"/>
-          <ac:spMkLst>
-            <pc:docMk/>
-            <pc:sldMk cId="1389920690" sldId="267"/>
-            <ac:spMk id="6" creationId="{E8945C19-70F4-44B5-B2DA-E7401963D137}"/>
-          </ac:spMkLst>
-        </pc:spChg>
-        <pc:spChg chg="add mod">
-          <ac:chgData name="Ivan Igoshev" userId="a040743a-0e34-48e2-a9f5-26858867d0d3" providerId="ADAL" clId="{1AD43353-6C96-451A-BB55-BC75F83E7E77}" dt="2022-01-27T23:23:35.448" v="707" actId="207"/>
-          <ac:spMkLst>
-            <pc:docMk/>
-            <pc:sldMk cId="1389920690" sldId="267"/>
-            <ac:spMk id="7" creationId="{F85D4D19-34D5-40F3-A947-FB673C303E21}"/>
-          </ac:spMkLst>
-        </pc:spChg>
-        <pc:spChg chg="add mod">
-          <ac:chgData name="Ivan Igoshev" userId="a040743a-0e34-48e2-a9f5-26858867d0d3" providerId="ADAL" clId="{1AD43353-6C96-451A-BB55-BC75F83E7E77}" dt="2022-01-27T23:24:34.562" v="718" actId="207"/>
-          <ac:spMkLst>
-            <pc:docMk/>
-            <pc:sldMk cId="1389920690" sldId="267"/>
-            <ac:spMk id="8" creationId="{A0C7B2F1-3FD7-46DB-ACEB-DBC9EEB4953B}"/>
-          </ac:spMkLst>
-        </pc:spChg>
-        <pc:spChg chg="mod">
-          <ac:chgData name="Ivan Igoshev" userId="a040743a-0e34-48e2-a9f5-26858867d0d3" providerId="ADAL" clId="{1AD43353-6C96-451A-BB55-BC75F83E7E77}" dt="2022-01-27T23:23:43.853" v="715" actId="20577"/>
-          <ac:spMkLst>
-            <pc:docMk/>
-            <pc:sldMk cId="1389920690" sldId="267"/>
-            <ac:spMk id="160" creationId="{00000000-0000-0000-0000-000000000000}"/>
-          </ac:spMkLst>
-        </pc:spChg>
-      </pc:sldChg>
-      <pc:sldChg chg="addSp delSp modSp del mod ord">
-        <pc:chgData name="Ivan Igoshev" userId="a040743a-0e34-48e2-a9f5-26858867d0d3" providerId="ADAL" clId="{1AD43353-6C96-451A-BB55-BC75F83E7E77}" dt="2022-01-27T22:51:39.865" v="489" actId="47"/>
-        <pc:sldMkLst>
-          <pc:docMk/>
-          <pc:sldMk cId="2816795735" sldId="268"/>
-        </pc:sldMkLst>
-        <pc:spChg chg="mod">
-          <ac:chgData name="Ivan Igoshev" userId="a040743a-0e34-48e2-a9f5-26858867d0d3" providerId="ADAL" clId="{1AD43353-6C96-451A-BB55-BC75F83E7E77}" dt="2022-01-27T22:49:56.493" v="410" actId="20577"/>
-          <ac:spMkLst>
-            <pc:docMk/>
-            <pc:sldMk cId="2816795735" sldId="268"/>
-            <ac:spMk id="164" creationId="{00000000-0000-0000-0000-000000000000}"/>
-          </ac:spMkLst>
-        </pc:spChg>
-        <pc:picChg chg="add del mod">
-          <ac:chgData name="Ivan Igoshev" userId="a040743a-0e34-48e2-a9f5-26858867d0d3" providerId="ADAL" clId="{1AD43353-6C96-451A-BB55-BC75F83E7E77}" dt="2022-01-27T22:40:07.479" v="121" actId="478"/>
-          <ac:picMkLst>
-            <pc:docMk/>
-            <pc:sldMk cId="2816795735" sldId="268"/>
-            <ac:picMk id="3" creationId="{52F05A60-7129-42A0-BC0D-F9531414A744}"/>
-          </ac:picMkLst>
-        </pc:picChg>
-      </pc:sldChg>
-      <pc:sldChg chg="ord">
-        <pc:chgData name="Ivan Igoshev" userId="a040743a-0e34-48e2-a9f5-26858867d0d3" providerId="ADAL" clId="{1AD43353-6C96-451A-BB55-BC75F83E7E77}" dt="2022-01-27T23:21:04.695" v="683"/>
-        <pc:sldMkLst>
-          <pc:docMk/>
-          <pc:sldMk cId="3411788618" sldId="269"/>
-        </pc:sldMkLst>
-      </pc:sldChg>
-      <pc:sldChg chg="addSp modSp add mod">
-        <pc:chgData name="Ivan Igoshev" userId="a040743a-0e34-48e2-a9f5-26858867d0d3" providerId="ADAL" clId="{1AD43353-6C96-451A-BB55-BC75F83E7E77}" dt="2022-01-27T22:54:20.507" v="493" actId="1076"/>
-        <pc:sldMkLst>
-          <pc:docMk/>
-          <pc:sldMk cId="556606209" sldId="270"/>
-        </pc:sldMkLst>
-        <pc:spChg chg="add mod">
-          <ac:chgData name="Ivan Igoshev" userId="a040743a-0e34-48e2-a9f5-26858867d0d3" providerId="ADAL" clId="{1AD43353-6C96-451A-BB55-BC75F83E7E77}" dt="2022-01-27T22:54:20.507" v="493" actId="1076"/>
-          <ac:spMkLst>
-            <pc:docMk/>
-            <pc:sldMk cId="556606209" sldId="270"/>
-            <ac:spMk id="6" creationId="{297C8B31-F1DE-4F43-95ED-8E811401CF40}"/>
-          </ac:spMkLst>
-        </pc:spChg>
-        <pc:picChg chg="add mod modCrop">
-          <ac:chgData name="Ivan Igoshev" userId="a040743a-0e34-48e2-a9f5-26858867d0d3" providerId="ADAL" clId="{1AD43353-6C96-451A-BB55-BC75F83E7E77}" dt="2022-01-27T22:32:06.230" v="64" actId="1076"/>
-          <ac:picMkLst>
-            <pc:docMk/>
-            <pc:sldMk cId="556606209" sldId="270"/>
-            <ac:picMk id="3" creationId="{99E9698F-7285-4CEA-8BA4-59E33B33A310}"/>
-          </ac:picMkLst>
-        </pc:picChg>
-        <pc:picChg chg="mod">
-          <ac:chgData name="Ivan Igoshev" userId="a040743a-0e34-48e2-a9f5-26858867d0d3" providerId="ADAL" clId="{1AD43353-6C96-451A-BB55-BC75F83E7E77}" dt="2022-01-27T22:27:24.425" v="46" actId="1076"/>
-          <ac:picMkLst>
-            <pc:docMk/>
-            <pc:sldMk cId="556606209" sldId="270"/>
-            <ac:picMk id="5" creationId="{33379F11-89EB-44E6-AC4A-B16C46C015AB}"/>
-          </ac:picMkLst>
-        </pc:picChg>
-      </pc:sldChg>
-      <pc:sldChg chg="addSp modSp add mod">
-        <pc:chgData name="Ivan Igoshev" userId="a040743a-0e34-48e2-a9f5-26858867d0d3" providerId="ADAL" clId="{1AD43353-6C96-451A-BB55-BC75F83E7E77}" dt="2022-01-27T22:54:25.118" v="495" actId="1076"/>
-        <pc:sldMkLst>
-          <pc:docMk/>
-          <pc:sldMk cId="2391337152" sldId="271"/>
-        </pc:sldMkLst>
-        <pc:spChg chg="add mod">
-          <ac:chgData name="Ivan Igoshev" userId="a040743a-0e34-48e2-a9f5-26858867d0d3" providerId="ADAL" clId="{1AD43353-6C96-451A-BB55-BC75F83E7E77}" dt="2022-01-27T22:54:25.118" v="495" actId="1076"/>
-          <ac:spMkLst>
-            <pc:docMk/>
-            <pc:sldMk cId="2391337152" sldId="271"/>
-            <ac:spMk id="6" creationId="{0476398C-5958-4F67-8CA8-E6EACEB2437C}"/>
-          </ac:spMkLst>
-        </pc:spChg>
-        <pc:picChg chg="add mod">
-          <ac:chgData name="Ivan Igoshev" userId="a040743a-0e34-48e2-a9f5-26858867d0d3" providerId="ADAL" clId="{1AD43353-6C96-451A-BB55-BC75F83E7E77}" dt="2022-01-27T22:32:19.274" v="66" actId="1076"/>
-          <ac:picMkLst>
-            <pc:docMk/>
-            <pc:sldMk cId="2391337152" sldId="271"/>
-            <ac:picMk id="3" creationId="{70C5EC5F-40C3-44C6-8A77-6804F9D9080D}"/>
-          </ac:picMkLst>
-        </pc:picChg>
-      </pc:sldChg>
-      <pc:sldChg chg="addSp modSp add mod">
-        <pc:chgData name="Ivan Igoshev" userId="a040743a-0e34-48e2-a9f5-26858867d0d3" providerId="ADAL" clId="{1AD43353-6C96-451A-BB55-BC75F83E7E77}" dt="2022-01-27T22:33:02.745" v="68" actId="1076"/>
-        <pc:sldMkLst>
-          <pc:docMk/>
-          <pc:sldMk cId="2528513107" sldId="272"/>
-        </pc:sldMkLst>
-        <pc:picChg chg="add mod">
-          <ac:chgData name="Ivan Igoshev" userId="a040743a-0e34-48e2-a9f5-26858867d0d3" providerId="ADAL" clId="{1AD43353-6C96-451A-BB55-BC75F83E7E77}" dt="2022-01-27T22:33:02.745" v="68" actId="1076"/>
-          <ac:picMkLst>
-            <pc:docMk/>
-            <pc:sldMk cId="2528513107" sldId="272"/>
-            <ac:picMk id="3" creationId="{442C5B96-3FF8-497F-9F6D-76B694E444E8}"/>
-          </ac:picMkLst>
-        </pc:picChg>
-      </pc:sldChg>
-      <pc:sldChg chg="addSp delSp modSp add mod">
-        <pc:chgData name="Ivan Igoshev" userId="a040743a-0e34-48e2-a9f5-26858867d0d3" providerId="ADAL" clId="{1AD43353-6C96-451A-BB55-BC75F83E7E77}" dt="2022-01-27T22:56:14.950" v="499" actId="20577"/>
-        <pc:sldMkLst>
-          <pc:docMk/>
-          <pc:sldMk cId="2426563395" sldId="273"/>
-        </pc:sldMkLst>
-        <pc:spChg chg="add mod">
-          <ac:chgData name="Ivan Igoshev" userId="a040743a-0e34-48e2-a9f5-26858867d0d3" providerId="ADAL" clId="{1AD43353-6C96-451A-BB55-BC75F83E7E77}" dt="2022-01-27T22:43:58.131" v="255" actId="1076"/>
-          <ac:spMkLst>
-            <pc:docMk/>
-            <pc:sldMk cId="2426563395" sldId="273"/>
-            <ac:spMk id="4" creationId="{B5C9E359-3C0B-493E-818D-C2BEF20ECC55}"/>
-          </ac:spMkLst>
-        </pc:spChg>
-        <pc:spChg chg="add del mod">
-          <ac:chgData name="Ivan Igoshev" userId="a040743a-0e34-48e2-a9f5-26858867d0d3" providerId="ADAL" clId="{1AD43353-6C96-451A-BB55-BC75F83E7E77}" dt="2022-01-27T22:47:38.807" v="323" actId="478"/>
-          <ac:spMkLst>
-            <pc:docMk/>
-            <pc:sldMk cId="2426563395" sldId="273"/>
-            <ac:spMk id="5" creationId="{137895CB-A14D-4861-95BE-010CBC0E8E3C}"/>
-          </ac:spMkLst>
-        </pc:spChg>
-        <pc:spChg chg="add mod">
-          <ac:chgData name="Ivan Igoshev" userId="a040743a-0e34-48e2-a9f5-26858867d0d3" providerId="ADAL" clId="{1AD43353-6C96-451A-BB55-BC75F83E7E77}" dt="2022-01-27T22:49:04.309" v="399" actId="207"/>
-          <ac:spMkLst>
-            <pc:docMk/>
-            <pc:sldMk cId="2426563395" sldId="273"/>
-            <ac:spMk id="6" creationId="{5B3BF6CA-F361-40FE-BF22-DF1EB02FB7FF}"/>
-          </ac:spMkLst>
-        </pc:spChg>
-        <pc:spChg chg="add mod">
-          <ac:chgData name="Ivan Igoshev" userId="a040743a-0e34-48e2-a9f5-26858867d0d3" providerId="ADAL" clId="{1AD43353-6C96-451A-BB55-BC75F83E7E77}" dt="2022-01-27T22:56:14.950" v="499" actId="20577"/>
-          <ac:spMkLst>
-            <pc:docMk/>
-            <pc:sldMk cId="2426563395" sldId="273"/>
-            <ac:spMk id="7" creationId="{902722E4-1602-4129-ADCF-12D737F23F8B}"/>
-          </ac:spMkLst>
-        </pc:spChg>
-        <pc:spChg chg="mod">
-          <ac:chgData name="Ivan Igoshev" userId="a040743a-0e34-48e2-a9f5-26858867d0d3" providerId="ADAL" clId="{1AD43353-6C96-451A-BB55-BC75F83E7E77}" dt="2022-01-27T22:43:13.926" v="253" actId="20577"/>
-          <ac:spMkLst>
-            <pc:docMk/>
-            <pc:sldMk cId="2426563395" sldId="273"/>
-            <ac:spMk id="164" creationId="{00000000-0000-0000-0000-000000000000}"/>
-          </ac:spMkLst>
-        </pc:spChg>
-        <pc:spChg chg="mod">
-          <ac:chgData name="Ivan Igoshev" userId="a040743a-0e34-48e2-a9f5-26858867d0d3" providerId="ADAL" clId="{1AD43353-6C96-451A-BB55-BC75F83E7E77}" dt="2022-01-27T22:43:06.190" v="246" actId="1076"/>
-          <ac:spMkLst>
-            <pc:docMk/>
-            <pc:sldMk cId="2426563395" sldId="273"/>
-            <ac:spMk id="165" creationId="{00000000-0000-0000-0000-000000000000}"/>
-          </ac:spMkLst>
-        </pc:spChg>
-        <pc:picChg chg="add del mod">
-          <ac:chgData name="Ivan Igoshev" userId="a040743a-0e34-48e2-a9f5-26858867d0d3" providerId="ADAL" clId="{1AD43353-6C96-451A-BB55-BC75F83E7E77}" dt="2022-01-27T22:47:36.104" v="321" actId="478"/>
-          <ac:picMkLst>
-            <pc:docMk/>
-            <pc:sldMk cId="2426563395" sldId="273"/>
-            <ac:picMk id="3" creationId="{5D9532C5-61C1-4475-A4A8-8E2C40778F75}"/>
-          </ac:picMkLst>
-        </pc:picChg>
-      </pc:sldChg>
-      <pc:sldChg chg="delSp modSp new mod">
-        <pc:chgData name="Ivan Igoshev" userId="a040743a-0e34-48e2-a9f5-26858867d0d3" providerId="ADAL" clId="{1AD43353-6C96-451A-BB55-BC75F83E7E77}" dt="2022-01-27T22:57:43.593" v="534" actId="1076"/>
-        <pc:sldMkLst>
-          <pc:docMk/>
-          <pc:sldMk cId="2554992809" sldId="275"/>
-        </pc:sldMkLst>
-        <pc:spChg chg="mod">
-          <ac:chgData name="Ivan Igoshev" userId="a040743a-0e34-48e2-a9f5-26858867d0d3" providerId="ADAL" clId="{1AD43353-6C96-451A-BB55-BC75F83E7E77}" dt="2022-01-27T22:57:43.593" v="534" actId="1076"/>
-          <ac:spMkLst>
-            <pc:docMk/>
-            <pc:sldMk cId="2554992809" sldId="275"/>
-            <ac:spMk id="2" creationId="{A930B100-D135-422A-B126-FF7053E5DC94}"/>
-          </ac:spMkLst>
-        </pc:spChg>
-        <pc:spChg chg="del">
-          <ac:chgData name="Ivan Igoshev" userId="a040743a-0e34-48e2-a9f5-26858867d0d3" providerId="ADAL" clId="{1AD43353-6C96-451A-BB55-BC75F83E7E77}" dt="2022-01-27T22:56:55.458" v="504" actId="478"/>
-          <ac:spMkLst>
-            <pc:docMk/>
-            <pc:sldMk cId="2554992809" sldId="275"/>
-            <ac:spMk id="3" creationId="{B063A98C-A4B2-4570-B709-4ABD41B0E0CF}"/>
-          </ac:spMkLst>
-        </pc:spChg>
-      </pc:sldChg>
-      <pc:sldChg chg="ord">
-        <pc:chgData name="Ivan Igoshev" userId="a040743a-0e34-48e2-a9f5-26858867d0d3" providerId="ADAL" clId="{1AD43353-6C96-451A-BB55-BC75F83E7E77}" dt="2022-01-27T23:25:55.710" v="723"/>
-        <pc:sldMkLst>
-          <pc:docMk/>
-          <pc:sldMk cId="815136904" sldId="276"/>
-        </pc:sldMkLst>
-      </pc:sldChg>
-      <pc:sldChg chg="addSp delSp modSp new mod ord">
-        <pc:chgData name="Ivan Igoshev" userId="a040743a-0e34-48e2-a9f5-26858867d0d3" providerId="ADAL" clId="{1AD43353-6C96-451A-BB55-BC75F83E7E77}" dt="2022-01-27T23:21:06.411" v="685"/>
-        <pc:sldMkLst>
-          <pc:docMk/>
-          <pc:sldMk cId="1655896189" sldId="277"/>
-        </pc:sldMkLst>
-        <pc:spChg chg="mod">
-          <ac:chgData name="Ivan Igoshev" userId="a040743a-0e34-48e2-a9f5-26858867d0d3" providerId="ADAL" clId="{1AD43353-6C96-451A-BB55-BC75F83E7E77}" dt="2022-01-27T23:17:39.206" v="559" actId="20577"/>
-          <ac:spMkLst>
-            <pc:docMk/>
-            <pc:sldMk cId="1655896189" sldId="277"/>
-            <ac:spMk id="2" creationId="{AFF69BB7-214B-40F4-88BE-378236B5B9E2}"/>
-          </ac:spMkLst>
-        </pc:spChg>
-        <pc:spChg chg="del">
-          <ac:chgData name="Ivan Igoshev" userId="a040743a-0e34-48e2-a9f5-26858867d0d3" providerId="ADAL" clId="{1AD43353-6C96-451A-BB55-BC75F83E7E77}" dt="2022-01-27T23:16:53.807" v="541" actId="478"/>
-          <ac:spMkLst>
-            <pc:docMk/>
-            <pc:sldMk cId="1655896189" sldId="277"/>
-            <ac:spMk id="3" creationId="{3675ED0F-7B25-4550-8A5D-2319C31CA162}"/>
-          </ac:spMkLst>
-        </pc:spChg>
-        <pc:spChg chg="add mod">
-          <ac:chgData name="Ivan Igoshev" userId="a040743a-0e34-48e2-a9f5-26858867d0d3" providerId="ADAL" clId="{1AD43353-6C96-451A-BB55-BC75F83E7E77}" dt="2022-01-27T23:18:52.350" v="586" actId="255"/>
-          <ac:spMkLst>
-            <pc:docMk/>
-            <pc:sldMk cId="1655896189" sldId="277"/>
-            <ac:spMk id="6" creationId="{A2FC2451-7FD9-43A9-81D1-3BE16BF732EC}"/>
-          </ac:spMkLst>
-        </pc:spChg>
-        <pc:spChg chg="add mod">
-          <ac:chgData name="Ivan Igoshev" userId="a040743a-0e34-48e2-a9f5-26858867d0d3" providerId="ADAL" clId="{1AD43353-6C96-451A-BB55-BC75F83E7E77}" dt="2022-01-27T23:19:17.563" v="610" actId="20577"/>
-          <ac:spMkLst>
-            <pc:docMk/>
-            <pc:sldMk cId="1655896189" sldId="277"/>
-            <ac:spMk id="7" creationId="{22CC7FC0-445A-4654-9B89-ABE0DCEA0552}"/>
-          </ac:spMkLst>
-        </pc:spChg>
-        <pc:spChg chg="add mod">
-          <ac:chgData name="Ivan Igoshev" userId="a040743a-0e34-48e2-a9f5-26858867d0d3" providerId="ADAL" clId="{1AD43353-6C96-451A-BB55-BC75F83E7E77}" dt="2022-01-27T23:19:38.637" v="627" actId="1076"/>
-          <ac:spMkLst>
-            <pc:docMk/>
-            <pc:sldMk cId="1655896189" sldId="277"/>
-            <ac:spMk id="8" creationId="{B2600152-D3A9-4EB3-814A-A7660BE0B58F}"/>
-          </ac:spMkLst>
-        </pc:spChg>
-        <pc:spChg chg="add mod">
-          <ac:chgData name="Ivan Igoshev" userId="a040743a-0e34-48e2-a9f5-26858867d0d3" providerId="ADAL" clId="{1AD43353-6C96-451A-BB55-BC75F83E7E77}" dt="2022-01-27T23:19:58.087" v="648" actId="1076"/>
-          <ac:spMkLst>
-            <pc:docMk/>
-            <pc:sldMk cId="1655896189" sldId="277"/>
-            <ac:spMk id="9" creationId="{5B5918A2-0BF4-4F59-A2A9-873141DE0BCF}"/>
-          </ac:spMkLst>
-        </pc:spChg>
-        <pc:spChg chg="add mod">
-          <ac:chgData name="Ivan Igoshev" userId="a040743a-0e34-48e2-a9f5-26858867d0d3" providerId="ADAL" clId="{1AD43353-6C96-451A-BB55-BC75F83E7E77}" dt="2022-01-27T23:20:10.856" v="660" actId="20577"/>
-          <ac:spMkLst>
-            <pc:docMk/>
-            <pc:sldMk cId="1655896189" sldId="277"/>
-            <ac:spMk id="10" creationId="{C798B0F2-4864-4BB9-B9AE-C7D4505F4201}"/>
-          </ac:spMkLst>
-        </pc:spChg>
-        <pc:spChg chg="add mod">
-          <ac:chgData name="Ivan Igoshev" userId="a040743a-0e34-48e2-a9f5-26858867d0d3" providerId="ADAL" clId="{1AD43353-6C96-451A-BB55-BC75F83E7E77}" dt="2022-01-27T23:20:25.487" v="666" actId="20577"/>
-          <ac:spMkLst>
-            <pc:docMk/>
-            <pc:sldMk cId="1655896189" sldId="277"/>
-            <ac:spMk id="11" creationId="{23655190-39E6-4277-91D4-E34BD01C2842}"/>
-          </ac:spMkLst>
-        </pc:spChg>
-        <pc:spChg chg="add mod">
-          <ac:chgData name="Ivan Igoshev" userId="a040743a-0e34-48e2-a9f5-26858867d0d3" providerId="ADAL" clId="{1AD43353-6C96-451A-BB55-BC75F83E7E77}" dt="2022-01-27T23:20:40.198" v="678" actId="1076"/>
-          <ac:spMkLst>
-            <pc:docMk/>
-            <pc:sldMk cId="1655896189" sldId="277"/>
-            <ac:spMk id="12" creationId="{D24CED5D-4536-4A91-B4D7-DA724260A368}"/>
-          </ac:spMkLst>
-        </pc:spChg>
-        <pc:picChg chg="add mod">
-          <ac:chgData name="Ivan Igoshev" userId="a040743a-0e34-48e2-a9f5-26858867d0d3" providerId="ADAL" clId="{1AD43353-6C96-451A-BB55-BC75F83E7E77}" dt="2022-01-27T23:19:07.942" v="590" actId="1076"/>
-          <ac:picMkLst>
-            <pc:docMk/>
-            <pc:sldMk cId="1655896189" sldId="277"/>
-            <ac:picMk id="5" creationId="{29CC6EDA-4E17-4646-B610-42ABE9FBBE7D}"/>
-          </ac:picMkLst>
-        </pc:picChg>
-      </pc:sldChg>
-      <pc:sldChg chg="addSp delSp modSp new mod">
-        <pc:chgData name="Ivan Igoshev" userId="a040743a-0e34-48e2-a9f5-26858867d0d3" providerId="ADAL" clId="{1AD43353-6C96-451A-BB55-BC75F83E7E77}" dt="2022-01-27T23:29:06.410" v="856" actId="1076"/>
-        <pc:sldMkLst>
-          <pc:docMk/>
-          <pc:sldMk cId="1528133310" sldId="278"/>
-        </pc:sldMkLst>
-        <pc:spChg chg="del">
-          <ac:chgData name="Ivan Igoshev" userId="a040743a-0e34-48e2-a9f5-26858867d0d3" providerId="ADAL" clId="{1AD43353-6C96-451A-BB55-BC75F83E7E77}" dt="2022-01-27T23:27:08.701" v="727" actId="478"/>
-          <ac:spMkLst>
-            <pc:docMk/>
-            <pc:sldMk cId="1528133310" sldId="278"/>
-            <ac:spMk id="2" creationId="{183D3CA8-FE8E-4C1A-A362-05FDE4D00625}"/>
-          </ac:spMkLst>
-        </pc:spChg>
-        <pc:spChg chg="del">
-          <ac:chgData name="Ivan Igoshev" userId="a040743a-0e34-48e2-a9f5-26858867d0d3" providerId="ADAL" clId="{1AD43353-6C96-451A-BB55-BC75F83E7E77}" dt="2022-01-27T23:27:09.547" v="728" actId="478"/>
-          <ac:spMkLst>
-            <pc:docMk/>
-            <pc:sldMk cId="1528133310" sldId="278"/>
-            <ac:spMk id="3" creationId="{7E1E7C20-7158-45FA-9CA8-8768D70BEE9C}"/>
-          </ac:spMkLst>
-        </pc:spChg>
-        <pc:spChg chg="add mod">
-          <ac:chgData name="Ivan Igoshev" userId="a040743a-0e34-48e2-a9f5-26858867d0d3" providerId="ADAL" clId="{1AD43353-6C96-451A-BB55-BC75F83E7E77}" dt="2022-01-27T23:29:06.410" v="856" actId="1076"/>
-          <ac:spMkLst>
-            <pc:docMk/>
-            <pc:sldMk cId="1528133310" sldId="278"/>
-            <ac:spMk id="4" creationId="{0988310A-947D-43CE-BE1B-4ADA92F8E783}"/>
-          </ac:spMkLst>
-        </pc:spChg>
-      </pc:sldChg>
-      <pc:sldMasterChg chg="addSp modSp mod">
-        <pc:chgData name="Ivan Igoshev" userId="a040743a-0e34-48e2-a9f5-26858867d0d3" providerId="ADAL" clId="{1AD43353-6C96-451A-BB55-BC75F83E7E77}" dt="2022-01-27T22:02:12.047" v="12" actId="1076"/>
-        <pc:sldMasterMkLst>
-          <pc:docMk/>
-          <pc:sldMasterMk cId="0" sldId="2147483664"/>
-        </pc:sldMasterMkLst>
-        <pc:picChg chg="add mod">
-          <ac:chgData name="Ivan Igoshev" userId="a040743a-0e34-48e2-a9f5-26858867d0d3" providerId="ADAL" clId="{1AD43353-6C96-451A-BB55-BC75F83E7E77}" dt="2022-01-27T22:02:12.047" v="12" actId="1076"/>
-          <ac:picMkLst>
-            <pc:docMk/>
-            <pc:sldMasterMk cId="0" sldId="2147483664"/>
-            <ac:picMk id="6" creationId="{9C209426-4048-4F9C-AD21-7E90560C9343}"/>
-          </ac:picMkLst>
-        </pc:picChg>
-      </pc:sldMasterChg>
-    </pc:docChg>
-  </pc:docChgLst>
-  <pc:docChgLst>
-    <pc:chgData name="Henry Xue" userId="S::y58xue@uwaterloo.ca::bbcaf59e-638b-4de5-ac4e-0f843742cd8f" providerId="AD" clId="Web-{977F25FD-3474-AF39-285F-32BDFD3355E3}"/>
-    <pc:docChg chg="addSld delSld modSld sldOrd">
-      <pc:chgData name="Henry Xue" userId="S::y58xue@uwaterloo.ca::bbcaf59e-638b-4de5-ac4e-0f843742cd8f" providerId="AD" clId="Web-{977F25FD-3474-AF39-285F-32BDFD3355E3}" dt="2022-01-27T23:02:57.110" v="390" actId="20577"/>
-      <pc:docMkLst>
-        <pc:docMk/>
-      </pc:docMkLst>
-      <pc:sldChg chg="addSp delSp modSp">
-        <pc:chgData name="Henry Xue" userId="S::y58xue@uwaterloo.ca::bbcaf59e-638b-4de5-ac4e-0f843742cd8f" providerId="AD" clId="Web-{977F25FD-3474-AF39-285F-32BDFD3355E3}" dt="2022-01-27T23:02:57.110" v="390" actId="20577"/>
+      <pc:sldChg chg="addSp delSp modSp add replId">
+        <pc:chgData name="Henry Xue" userId="S::y58xue@uwaterloo.ca::bbcaf59e-638b-4de5-ac4e-0f843742cd8f" providerId="AD" clId="Web-{E8EE1176-88ED-4B27-A1B1-4687CDE7A6F3}" dt="2022-01-27T18:55:51.199" v="190" actId="20577"/>
         <pc:sldMkLst>
           <pc:docMk/>
           <pc:sldMk cId="1573311491" sldId="262"/>
         </pc:sldMkLst>
+        <pc:spChg chg="add del mod">
+          <ac:chgData name="Henry Xue" userId="S::y58xue@uwaterloo.ca::bbcaf59e-638b-4de5-ac4e-0f843742cd8f" providerId="AD" clId="Web-{E8EE1176-88ED-4B27-A1B1-4687CDE7A6F3}" dt="2022-01-27T18:41:55.093" v="15"/>
+          <ac:spMkLst>
+            <pc:docMk/>
+            <pc:sldMk cId="1573311491" sldId="262"/>
+            <ac:spMk id="2" creationId="{0AD89046-1C0F-4CA2-B6FB-FFD8B5B38963}"/>
+          </ac:spMkLst>
+        </pc:spChg>
         <pc:spChg chg="add mod">
-          <ac:chgData name="Henry Xue" userId="S::y58xue@uwaterloo.ca::bbcaf59e-638b-4de5-ac4e-0f843742cd8f" providerId="AD" clId="Web-{977F25FD-3474-AF39-285F-32BDFD3355E3}" dt="2022-01-27T21:21:28.644" v="369" actId="20577"/>
-          <ac:spMkLst>
-            <pc:docMk/>
-            <pc:sldMk cId="1573311491" sldId="262"/>
-            <ac:spMk id="2" creationId="{3E2E4C1B-ED31-4EAB-B3B2-F176072EF0FB}"/>
-          </ac:spMkLst>
-        </pc:spChg>
-        <pc:spChg chg="mod">
-          <ac:chgData name="Henry Xue" userId="S::y58xue@uwaterloo.ca::bbcaf59e-638b-4de5-ac4e-0f843742cd8f" providerId="AD" clId="Web-{977F25FD-3474-AF39-285F-32BDFD3355E3}" dt="2022-01-27T20:36:48.595" v="201" actId="1076"/>
+          <ac:chgData name="Henry Xue" userId="S::y58xue@uwaterloo.ca::bbcaf59e-638b-4de5-ac4e-0f843742cd8f" providerId="AD" clId="Web-{E8EE1176-88ED-4B27-A1B1-4687CDE7A6F3}" dt="2022-01-27T18:44:01.907" v="46" actId="1076"/>
           <ac:spMkLst>
             <pc:docMk/>
             <pc:sldMk cId="1573311491" sldId="262"/>
             <ac:spMk id="3" creationId="{DEDE43FE-830E-4806-85C9-D779516F02CC}"/>
           </ac:spMkLst>
         </pc:spChg>
-        <pc:spChg chg="mod">
-          <ac:chgData name="Henry Xue" userId="S::y58xue@uwaterloo.ca::bbcaf59e-638b-4de5-ac4e-0f843742cd8f" providerId="AD" clId="Web-{977F25FD-3474-AF39-285F-32BDFD3355E3}" dt="2022-01-27T20:36:34.485" v="199" actId="14100"/>
+        <pc:spChg chg="add mod">
+          <ac:chgData name="Henry Xue" userId="S::y58xue@uwaterloo.ca::bbcaf59e-638b-4de5-ac4e-0f843742cd8f" providerId="AD" clId="Web-{E8EE1176-88ED-4B27-A1B1-4687CDE7A6F3}" dt="2022-01-27T18:44:04.876" v="47" actId="1076"/>
           <ac:spMkLst>
             <pc:docMk/>
             <pc:sldMk cId="1573311491" sldId="262"/>
             <ac:spMk id="4" creationId="{A5CD6947-2828-4855-B2B3-CB0F8234A11C}"/>
           </ac:spMkLst>
         </pc:spChg>
-        <pc:spChg chg="mod">
-          <ac:chgData name="Henry Xue" userId="S::y58xue@uwaterloo.ca::bbcaf59e-638b-4de5-ac4e-0f843742cd8f" providerId="AD" clId="Web-{977F25FD-3474-AF39-285F-32BDFD3355E3}" dt="2022-01-27T20:36:55.345" v="203" actId="14100"/>
+        <pc:spChg chg="add mod">
+          <ac:chgData name="Henry Xue" userId="S::y58xue@uwaterloo.ca::bbcaf59e-638b-4de5-ac4e-0f843742cd8f" providerId="AD" clId="Web-{E8EE1176-88ED-4B27-A1B1-4687CDE7A6F3}" dt="2022-01-27T18:44:15.767" v="52" actId="14100"/>
           <ac:spMkLst>
             <pc:docMk/>
             <pc:sldMk cId="1573311491" sldId="262"/>
             <ac:spMk id="5" creationId="{6566029C-C840-42C4-A6BC-3BAE6FDD6F72}"/>
           </ac:spMkLst>
         </pc:spChg>
-        <pc:spChg chg="mod">
-          <ac:chgData name="Henry Xue" userId="S::y58xue@uwaterloo.ca::bbcaf59e-638b-4de5-ac4e-0f843742cd8f" providerId="AD" clId="Web-{977F25FD-3474-AF39-285F-32BDFD3355E3}" dt="2022-01-27T20:22:04.631" v="75" actId="14100"/>
+        <pc:spChg chg="add mod">
+          <ac:chgData name="Henry Xue" userId="S::y58xue@uwaterloo.ca::bbcaf59e-638b-4de5-ac4e-0f843742cd8f" providerId="AD" clId="Web-{E8EE1176-88ED-4B27-A1B1-4687CDE7A6F3}" dt="2022-01-27T18:47:06.785" v="84" actId="1076"/>
           <ac:spMkLst>
             <pc:docMk/>
             <pc:sldMk cId="1573311491" sldId="262"/>
             <ac:spMk id="6" creationId="{62FC027B-EE7C-4204-B1E6-AF0C325AF1F6}"/>
           </ac:spMkLst>
         </pc:spChg>
-        <pc:spChg chg="mod">
-          <ac:chgData name="Henry Xue" userId="S::y58xue@uwaterloo.ca::bbcaf59e-638b-4de5-ac4e-0f843742cd8f" providerId="AD" clId="Web-{977F25FD-3474-AF39-285F-32BDFD3355E3}" dt="2022-01-27T20:22:12.209" v="80"/>
+        <pc:spChg chg="add mod">
+          <ac:chgData name="Henry Xue" userId="S::y58xue@uwaterloo.ca::bbcaf59e-638b-4de5-ac4e-0f843742cd8f" providerId="AD" clId="Web-{E8EE1176-88ED-4B27-A1B1-4687CDE7A6F3}" dt="2022-01-27T18:47:11.160" v="85" actId="1076"/>
           <ac:spMkLst>
             <pc:docMk/>
             <pc:sldMk cId="1573311491" sldId="262"/>
             <ac:spMk id="7" creationId="{DD72D02A-E8E1-440C-B820-82521007D9E5}"/>
           </ac:spMkLst>
         </pc:spChg>
-        <pc:spChg chg="mod">
-          <ac:chgData name="Henry Xue" userId="S::y58xue@uwaterloo.ca::bbcaf59e-638b-4de5-ac4e-0f843742cd8f" providerId="AD" clId="Web-{977F25FD-3474-AF39-285F-32BDFD3355E3}" dt="2022-01-27T20:22:16.631" v="81"/>
+        <pc:spChg chg="add mod">
+          <ac:chgData name="Henry Xue" userId="S::y58xue@uwaterloo.ca::bbcaf59e-638b-4de5-ac4e-0f843742cd8f" providerId="AD" clId="Web-{E8EE1176-88ED-4B27-A1B1-4687CDE7A6F3}" dt="2022-01-27T18:47:16.629" v="87" actId="1076"/>
           <ac:spMkLst>
             <pc:docMk/>
             <pc:sldMk cId="1573311491" sldId="262"/>
             <ac:spMk id="8" creationId="{48DF536F-B4FB-41B3-8842-5C4F956CBF9B}"/>
           </ac:spMkLst>
         </pc:spChg>
-        <pc:spChg chg="del mod">
-          <ac:chgData name="Henry Xue" userId="S::y58xue@uwaterloo.ca::bbcaf59e-638b-4de5-ac4e-0f843742cd8f" providerId="AD" clId="Web-{977F25FD-3474-AF39-285F-32BDFD3355E3}" dt="2022-01-27T20:35:31.407" v="181"/>
+        <pc:spChg chg="add del mod">
+          <ac:chgData name="Henry Xue" userId="S::y58xue@uwaterloo.ca::bbcaf59e-638b-4de5-ac4e-0f843742cd8f" providerId="AD" clId="Web-{E8EE1176-88ED-4B27-A1B1-4687CDE7A6F3}" dt="2022-01-27T18:47:50.051" v="91"/>
+          <ac:spMkLst>
+            <pc:docMk/>
+            <pc:sldMk cId="1573311491" sldId="262"/>
+            <ac:spMk id="9" creationId="{C3B7BBDB-A557-4FA3-A87E-D1EAB3D50279}"/>
+          </ac:spMkLst>
+        </pc:spChg>
+        <pc:spChg chg="add del mod">
+          <ac:chgData name="Henry Xue" userId="S::y58xue@uwaterloo.ca::bbcaf59e-638b-4de5-ac4e-0f843742cd8f" providerId="AD" clId="Web-{E8EE1176-88ED-4B27-A1B1-4687CDE7A6F3}" dt="2022-01-27T18:48:13.614" v="101"/>
+          <ac:spMkLst>
+            <pc:docMk/>
+            <pc:sldMk cId="1573311491" sldId="262"/>
+            <ac:spMk id="10" creationId="{1FB5D2C2-D555-4FBD-A5BC-4D2ACA320F65}"/>
+          </ac:spMkLst>
+        </pc:spChg>
+        <pc:spChg chg="add del mod">
+          <ac:chgData name="Henry Xue" userId="S::y58xue@uwaterloo.ca::bbcaf59e-638b-4de5-ac4e-0f843742cd8f" providerId="AD" clId="Web-{E8EE1176-88ED-4B27-A1B1-4687CDE7A6F3}" dt="2022-01-27T18:49:24.787" v="126"/>
+          <ac:spMkLst>
+            <pc:docMk/>
+            <pc:sldMk cId="1573311491" sldId="262"/>
+            <ac:spMk id="11" creationId="{7FD04E32-3F36-482C-B6C0-790E2C1F8AAA}"/>
+          </ac:spMkLst>
+        </pc:spChg>
+        <pc:spChg chg="add del">
+          <ac:chgData name="Henry Xue" userId="S::y58xue@uwaterloo.ca::bbcaf59e-638b-4de5-ac4e-0f843742cd8f" providerId="AD" clId="Web-{E8EE1176-88ED-4B27-A1B1-4687CDE7A6F3}" dt="2022-01-27T18:49:41.819" v="128"/>
+          <ac:spMkLst>
+            <pc:docMk/>
+            <pc:sldMk cId="1573311491" sldId="262"/>
+            <ac:spMk id="12" creationId="{E5179D9E-B219-4B9A-825C-2C767F535634}"/>
+          </ac:spMkLst>
+        </pc:spChg>
+        <pc:spChg chg="add mod">
+          <ac:chgData name="Henry Xue" userId="S::y58xue@uwaterloo.ca::bbcaf59e-638b-4de5-ac4e-0f843742cd8f" providerId="AD" clId="Web-{E8EE1176-88ED-4B27-A1B1-4687CDE7A6F3}" dt="2022-01-27T18:49:58.913" v="132" actId="1076"/>
           <ac:spMkLst>
             <pc:docMk/>
             <pc:sldMk cId="1573311491" sldId="262"/>
             <ac:spMk id="13" creationId="{9C4773FC-3139-42A2-BC08-D5275A3C886C}"/>
           </ac:spMkLst>
         </pc:spChg>
-        <pc:spChg chg="mod">
-          <ac:chgData name="Henry Xue" userId="S::y58xue@uwaterloo.ca::bbcaf59e-638b-4de5-ac4e-0f843742cd8f" providerId="AD" clId="Web-{977F25FD-3474-AF39-285F-32BDFD3355E3}" dt="2022-01-27T20:31:19.247" v="137" actId="1076"/>
+        <pc:spChg chg="add mod">
+          <ac:chgData name="Henry Xue" userId="S::y58xue@uwaterloo.ca::bbcaf59e-638b-4de5-ac4e-0f843742cd8f" providerId="AD" clId="Web-{E8EE1176-88ED-4B27-A1B1-4687CDE7A6F3}" dt="2022-01-27T18:51:12.726" v="154" actId="1076"/>
           <ac:spMkLst>
             <pc:docMk/>
             <pc:sldMk cId="1573311491" sldId="262"/>
             <ac:spMk id="14" creationId="{89FBAED9-9F33-47BD-AE44-0C09CC98CF25}"/>
           </ac:spMkLst>
         </pc:spChg>
-        <pc:spChg chg="mod">
-          <ac:chgData name="Henry Xue" userId="S::y58xue@uwaterloo.ca::bbcaf59e-638b-4de5-ac4e-0f843742cd8f" providerId="AD" clId="Web-{977F25FD-3474-AF39-285F-32BDFD3355E3}" dt="2022-01-27T20:39:41.894" v="238" actId="1076"/>
+        <pc:spChg chg="add mod">
+          <ac:chgData name="Henry Xue" userId="S::y58xue@uwaterloo.ca::bbcaf59e-638b-4de5-ac4e-0f843742cd8f" providerId="AD" clId="Web-{E8EE1176-88ED-4B27-A1B1-4687CDE7A6F3}" dt="2022-01-27T18:52:00.102" v="159" actId="1076"/>
           <ac:spMkLst>
             <pc:docMk/>
             <pc:sldMk cId="1573311491" sldId="262"/>
             <ac:spMk id="15" creationId="{65803227-EE29-4B71-A1C3-917FBBCC7E30}"/>
           </ac:spMkLst>
         </pc:spChg>
-        <pc:spChg chg="mod">
-          <ac:chgData name="Henry Xue" userId="S::y58xue@uwaterloo.ca::bbcaf59e-638b-4de5-ac4e-0f843742cd8f" providerId="AD" clId="Web-{977F25FD-3474-AF39-285F-32BDFD3355E3}" dt="2022-01-27T20:34:53" v="170" actId="1076"/>
+        <pc:spChg chg="add mod">
+          <ac:chgData name="Henry Xue" userId="S::y58xue@uwaterloo.ca::bbcaf59e-638b-4de5-ac4e-0f843742cd8f" providerId="AD" clId="Web-{E8EE1176-88ED-4B27-A1B1-4687CDE7A6F3}" dt="2022-01-27T18:52:44.775" v="181" actId="1076"/>
           <ac:spMkLst>
             <pc:docMk/>
             <pc:sldMk cId="1573311491" sldId="262"/>
             <ac:spMk id="16" creationId="{32C9E458-3E81-4BD3-92A4-91F1326C0AAF}"/>
           </ac:spMkLst>
         </pc:spChg>
-        <pc:spChg chg="del mod">
-          <ac:chgData name="Henry Xue" userId="S::y58xue@uwaterloo.ca::bbcaf59e-638b-4de5-ac4e-0f843742cd8f" providerId="AD" clId="Web-{977F25FD-3474-AF39-285F-32BDFD3355E3}" dt="2022-01-27T20:35:43.485" v="187"/>
+        <pc:spChg chg="add mod">
+          <ac:chgData name="Henry Xue" userId="S::y58xue@uwaterloo.ca::bbcaf59e-638b-4de5-ac4e-0f843742cd8f" providerId="AD" clId="Web-{E8EE1176-88ED-4B27-A1B1-4687CDE7A6F3}" dt="2022-01-27T18:50:29.085" v="140" actId="1076"/>
           <ac:spMkLst>
             <pc:docMk/>
             <pc:sldMk cId="1573311491" sldId="262"/>
             <ac:spMk id="17" creationId="{E87AA93F-448F-4D9E-84BB-1231C38B868A}"/>
           </ac:spMkLst>
         </pc:spChg>
-        <pc:spChg chg="del mod">
-          <ac:chgData name="Henry Xue" userId="S::y58xue@uwaterloo.ca::bbcaf59e-638b-4de5-ac4e-0f843742cd8f" providerId="AD" clId="Web-{977F25FD-3474-AF39-285F-32BDFD3355E3}" dt="2022-01-27T20:35:25.485" v="179"/>
+        <pc:spChg chg="add mod">
+          <ac:chgData name="Henry Xue" userId="S::y58xue@uwaterloo.ca::bbcaf59e-638b-4de5-ac4e-0f843742cd8f" providerId="AD" clId="Web-{E8EE1176-88ED-4B27-A1B1-4687CDE7A6F3}" dt="2022-01-27T18:50:26.116" v="139" actId="1076"/>
           <ac:spMkLst>
             <pc:docMk/>
             <pc:sldMk cId="1573311491" sldId="262"/>
             <ac:spMk id="18" creationId="{ACFB6B79-F91C-4E4B-8C5D-67541DFA3202}"/>
           </ac:spMkLst>
         </pc:spChg>
-        <pc:spChg chg="mod">
-          <ac:chgData name="Henry Xue" userId="S::y58xue@uwaterloo.ca::bbcaf59e-638b-4de5-ac4e-0f843742cd8f" providerId="AD" clId="Web-{977F25FD-3474-AF39-285F-32BDFD3355E3}" dt="2022-01-27T21:18:19.079" v="344"/>
+        <pc:spChg chg="add mod">
+          <ac:chgData name="Henry Xue" userId="S::y58xue@uwaterloo.ca::bbcaf59e-638b-4de5-ac4e-0f843742cd8f" providerId="AD" clId="Web-{E8EE1176-88ED-4B27-A1B1-4687CDE7A6F3}" dt="2022-01-27T18:50:17.757" v="138" actId="1076"/>
           <ac:spMkLst>
             <pc:docMk/>
             <pc:sldMk cId="1573311491" sldId="262"/>
             <ac:spMk id="19" creationId="{FB5D3533-6611-4170-B776-73FA9B00F251}"/>
           </ac:spMkLst>
         </pc:spChg>
-        <pc:spChg chg="del mod">
-          <ac:chgData name="Henry Xue" userId="S::y58xue@uwaterloo.ca::bbcaf59e-638b-4de5-ac4e-0f843742cd8f" providerId="AD" clId="Web-{977F25FD-3474-AF39-285F-32BDFD3355E3}" dt="2022-01-27T20:35:24.203" v="178"/>
+        <pc:spChg chg="add mod">
+          <ac:chgData name="Henry Xue" userId="S::y58xue@uwaterloo.ca::bbcaf59e-638b-4de5-ac4e-0f843742cd8f" providerId="AD" clId="Web-{E8EE1176-88ED-4B27-A1B1-4687CDE7A6F3}" dt="2022-01-27T18:50:11.538" v="137" actId="1076"/>
           <ac:spMkLst>
             <pc:docMk/>
             <pc:sldMk cId="1573311491" sldId="262"/>
             <ac:spMk id="20" creationId="{73F9CD8D-E105-4D4E-97B3-84343A8E01B6}"/>
           </ac:spMkLst>
         </pc:spChg>
-        <pc:spChg chg="del mod">
-          <ac:chgData name="Henry Xue" userId="S::y58xue@uwaterloo.ca::bbcaf59e-638b-4de5-ac4e-0f843742cd8f" providerId="AD" clId="Web-{977F25FD-3474-AF39-285F-32BDFD3355E3}" dt="2022-01-27T20:35:29.672" v="180"/>
+        <pc:spChg chg="add mod">
+          <ac:chgData name="Henry Xue" userId="S::y58xue@uwaterloo.ca::bbcaf59e-638b-4de5-ac4e-0f843742cd8f" providerId="AD" clId="Web-{E8EE1176-88ED-4B27-A1B1-4687CDE7A6F3}" dt="2022-01-27T18:50:41.788" v="143" actId="1076"/>
           <ac:spMkLst>
             <pc:docMk/>
             <pc:sldMk cId="1573311491" sldId="262"/>
             <ac:spMk id="21" creationId="{89211CC6-5A22-4A5F-BBDA-25911C7CE27A}"/>
           </ac:spMkLst>
         </pc:spChg>
-        <pc:spChg chg="add del mod">
-          <ac:chgData name="Henry Xue" userId="S::y58xue@uwaterloo.ca::bbcaf59e-638b-4de5-ac4e-0f843742cd8f" providerId="AD" clId="Web-{977F25FD-3474-AF39-285F-32BDFD3355E3}" dt="2022-01-27T20:35:37.375" v="184"/>
-          <ac:spMkLst>
-            <pc:docMk/>
-            <pc:sldMk cId="1573311491" sldId="262"/>
-            <ac:spMk id="22" creationId="{A48766D9-B073-4A5F-8CE6-0672FE034C84}"/>
-          </ac:spMkLst>
-        </pc:spChg>
-        <pc:spChg chg="add del mod">
-          <ac:chgData name="Henry Xue" userId="S::y58xue@uwaterloo.ca::bbcaf59e-638b-4de5-ac4e-0f843742cd8f" providerId="AD" clId="Web-{977F25FD-3474-AF39-285F-32BDFD3355E3}" dt="2022-01-27T20:35:45.579" v="188"/>
-          <ac:spMkLst>
-            <pc:docMk/>
-            <pc:sldMk cId="1573311491" sldId="262"/>
-            <ac:spMk id="23" creationId="{49D8C56A-661A-4ABF-AE10-B6E2EB4A18D6}"/>
-          </ac:spMkLst>
-        </pc:spChg>
-        <pc:spChg chg="mod">
-          <ac:chgData name="Henry Xue" userId="S::y58xue@uwaterloo.ca::bbcaf59e-638b-4de5-ac4e-0f843742cd8f" providerId="AD" clId="Web-{977F25FD-3474-AF39-285F-32BDFD3355E3}" dt="2022-01-27T20:32:21.060" v="152" actId="1076"/>
+        <pc:spChg chg="add mod">
+          <ac:chgData name="Henry Xue" userId="S::y58xue@uwaterloo.ca::bbcaf59e-638b-4de5-ac4e-0f843742cd8f" providerId="AD" clId="Web-{E8EE1176-88ED-4B27-A1B1-4687CDE7A6F3}" dt="2022-01-27T18:52:18.134" v="169" actId="1076"/>
           <ac:spMkLst>
             <pc:docMk/>
             <pc:sldMk cId="1573311491" sldId="262"/>
             <ac:spMk id="24" creationId="{4D417E2F-3E8B-4F86-963C-11394905CCAB}"/>
           </ac:spMkLst>
         </pc:spChg>
-        <pc:spChg chg="add del mod">
-          <ac:chgData name="Henry Xue" userId="S::y58xue@uwaterloo.ca::bbcaf59e-638b-4de5-ac4e-0f843742cd8f" providerId="AD" clId="Web-{977F25FD-3474-AF39-285F-32BDFD3355E3}" dt="2022-01-27T20:35:40.641" v="186"/>
-          <ac:spMkLst>
-            <pc:docMk/>
-            <pc:sldMk cId="1573311491" sldId="262"/>
-            <ac:spMk id="25" creationId="{87C94AF7-5693-4F29-8AD3-546D6495D3D3}"/>
-          </ac:spMkLst>
-        </pc:spChg>
-        <pc:spChg chg="mod">
-          <ac:chgData name="Henry Xue" userId="S::y58xue@uwaterloo.ca::bbcaf59e-638b-4de5-ac4e-0f843742cd8f" providerId="AD" clId="Web-{977F25FD-3474-AF39-285F-32BDFD3355E3}" dt="2022-01-27T20:39:37.910" v="237" actId="1076"/>
+        <pc:spChg chg="add mod">
+          <ac:chgData name="Henry Xue" userId="S::y58xue@uwaterloo.ca::bbcaf59e-638b-4de5-ac4e-0f843742cd8f" providerId="AD" clId="Web-{E8EE1176-88ED-4B27-A1B1-4687CDE7A6F3}" dt="2022-01-27T18:55:26.402" v="186" actId="20577"/>
           <ac:spMkLst>
             <pc:docMk/>
             <pc:sldMk cId="1573311491" sldId="262"/>
             <ac:spMk id="26" creationId="{366125D8-9741-4BAC-B3E4-78DD31248C08}"/>
           </ac:spMkLst>
         </pc:spChg>
-        <pc:spChg chg="mod">
-          <ac:chgData name="Henry Xue" userId="S::y58xue@uwaterloo.ca::bbcaf59e-638b-4de5-ac4e-0f843742cd8f" providerId="AD" clId="Web-{977F25FD-3474-AF39-285F-32BDFD3355E3}" dt="2022-01-27T20:25:01.992" v="133" actId="20577"/>
+        <pc:spChg chg="add mod">
+          <ac:chgData name="Henry Xue" userId="S::y58xue@uwaterloo.ca::bbcaf59e-638b-4de5-ac4e-0f843742cd8f" providerId="AD" clId="Web-{E8EE1176-88ED-4B27-A1B1-4687CDE7A6F3}" dt="2022-01-27T18:55:51.199" v="190" actId="20577"/>
           <ac:spMkLst>
             <pc:docMk/>
             <pc:sldMk cId="1573311491" sldId="262"/>
             <ac:spMk id="27" creationId="{5EA29F06-3D1C-4D03-B194-5A8F994B3BF7}"/>
           </ac:spMkLst>
         </pc:spChg>
-        <pc:spChg chg="add mod">
-          <ac:chgData name="Henry Xue" userId="S::y58xue@uwaterloo.ca::bbcaf59e-638b-4de5-ac4e-0f843742cd8f" providerId="AD" clId="Web-{977F25FD-3474-AF39-285F-32BDFD3355E3}" dt="2022-01-27T20:21:32.365" v="71" actId="20577"/>
-          <ac:spMkLst>
-            <pc:docMk/>
-            <pc:sldMk cId="1573311491" sldId="262"/>
-            <ac:spMk id="28" creationId="{5BAE0E00-7580-42F8-BE29-FD71A05F7E88}"/>
-          </ac:spMkLst>
-        </pc:spChg>
-        <pc:spChg chg="add mod">
-          <ac:chgData name="Henry Xue" userId="S::y58xue@uwaterloo.ca::bbcaf59e-638b-4de5-ac4e-0f843742cd8f" providerId="AD" clId="Web-{977F25FD-3474-AF39-285F-32BDFD3355E3}" dt="2022-01-27T20:31:30.685" v="141" actId="1076"/>
-          <ac:spMkLst>
-            <pc:docMk/>
-            <pc:sldMk cId="1573311491" sldId="262"/>
-            <ac:spMk id="29" creationId="{7EDA356F-D410-4BC8-9901-784978D832AC}"/>
-          </ac:spMkLst>
-        </pc:spChg>
-        <pc:spChg chg="add del mod">
-          <ac:chgData name="Henry Xue" userId="S::y58xue@uwaterloo.ca::bbcaf59e-638b-4de5-ac4e-0f843742cd8f" providerId="AD" clId="Web-{977F25FD-3474-AF39-285F-32BDFD3355E3}" dt="2022-01-27T20:35:38.407" v="185"/>
-          <ac:spMkLst>
-            <pc:docMk/>
-            <pc:sldMk cId="1573311491" sldId="262"/>
-            <ac:spMk id="30" creationId="{30A6AA0F-4774-42DD-8DF9-E9BAAB3EC7C3}"/>
-          </ac:spMkLst>
-        </pc:spChg>
-        <pc:spChg chg="add del mod">
-          <ac:chgData name="Henry Xue" userId="S::y58xue@uwaterloo.ca::bbcaf59e-638b-4de5-ac4e-0f843742cd8f" providerId="AD" clId="Web-{977F25FD-3474-AF39-285F-32BDFD3355E3}" dt="2022-01-27T20:35:34.094" v="183"/>
-          <ac:spMkLst>
-            <pc:docMk/>
-            <pc:sldMk cId="1573311491" sldId="262"/>
-            <ac:spMk id="31" creationId="{81BC5BB1-A1DC-4EE5-9325-EB33DD4F8C8B}"/>
-          </ac:spMkLst>
-        </pc:spChg>
-        <pc:spChg chg="add del mod">
-          <ac:chgData name="Henry Xue" userId="S::y58xue@uwaterloo.ca::bbcaf59e-638b-4de5-ac4e-0f843742cd8f" providerId="AD" clId="Web-{977F25FD-3474-AF39-285F-32BDFD3355E3}" dt="2022-01-27T20:35:32.500" v="182"/>
-          <ac:spMkLst>
-            <pc:docMk/>
-            <pc:sldMk cId="1573311491" sldId="262"/>
-            <ac:spMk id="32" creationId="{32206A1E-FA6B-4851-B93F-3EACADDD7FF0}"/>
-          </ac:spMkLst>
-        </pc:spChg>
-        <pc:spChg chg="add mod">
-          <ac:chgData name="Henry Xue" userId="S::y58xue@uwaterloo.ca::bbcaf59e-638b-4de5-ac4e-0f843742cd8f" providerId="AD" clId="Web-{977F25FD-3474-AF39-285F-32BDFD3355E3}" dt="2022-01-27T20:39:27.034" v="235" actId="1076"/>
-          <ac:spMkLst>
-            <pc:docMk/>
-            <pc:sldMk cId="1573311491" sldId="262"/>
-            <ac:spMk id="33" creationId="{9A3A0C61-9A01-450D-99FF-555D3A8793E7}"/>
-          </ac:spMkLst>
-        </pc:spChg>
-        <pc:spChg chg="add mod">
-          <ac:chgData name="Henry Xue" userId="S::y58xue@uwaterloo.ca::bbcaf59e-638b-4de5-ac4e-0f843742cd8f" providerId="AD" clId="Web-{977F25FD-3474-AF39-285F-32BDFD3355E3}" dt="2022-01-27T20:36:03.501" v="193" actId="1076"/>
-          <ac:spMkLst>
-            <pc:docMk/>
-            <pc:sldMk cId="1573311491" sldId="262"/>
-            <ac:spMk id="34" creationId="{2B7503DB-3118-4597-B2CC-8034A1B867F1}"/>
-          </ac:spMkLst>
-        </pc:spChg>
-        <pc:spChg chg="add mod">
-          <ac:chgData name="Henry Xue" userId="S::y58xue@uwaterloo.ca::bbcaf59e-638b-4de5-ac4e-0f843742cd8f" providerId="AD" clId="Web-{977F25FD-3474-AF39-285F-32BDFD3355E3}" dt="2022-01-27T20:37:03.330" v="205" actId="1076"/>
-          <ac:spMkLst>
-            <pc:docMk/>
-            <pc:sldMk cId="1573311491" sldId="262"/>
-            <ac:spMk id="35" creationId="{629E8500-12E0-4365-BF74-CFEE99461C47}"/>
-          </ac:spMkLst>
-        </pc:spChg>
-        <pc:spChg chg="add mod">
-          <ac:chgData name="Henry Xue" userId="S::y58xue@uwaterloo.ca::bbcaf59e-638b-4de5-ac4e-0f843742cd8f" providerId="AD" clId="Web-{977F25FD-3474-AF39-285F-32BDFD3355E3}" dt="2022-01-27T20:37:07.205" v="207" actId="1076"/>
-          <ac:spMkLst>
-            <pc:docMk/>
-            <pc:sldMk cId="1573311491" sldId="262"/>
-            <ac:spMk id="36" creationId="{CC703318-F732-42B3-9664-5E9E596AD3E4}"/>
-          </ac:spMkLst>
-        </pc:spChg>
-        <pc:spChg chg="add mod">
-          <ac:chgData name="Henry Xue" userId="S::y58xue@uwaterloo.ca::bbcaf59e-638b-4de5-ac4e-0f843742cd8f" providerId="AD" clId="Web-{977F25FD-3474-AF39-285F-32BDFD3355E3}" dt="2022-01-27T20:37:14.814" v="210" actId="1076"/>
-          <ac:spMkLst>
-            <pc:docMk/>
-            <pc:sldMk cId="1573311491" sldId="262"/>
-            <ac:spMk id="37" creationId="{77202AD8-D431-4797-AACA-0E4A4195A455}"/>
-          </ac:spMkLst>
-        </pc:spChg>
-        <pc:spChg chg="add mod">
-          <ac:chgData name="Henry Xue" userId="S::y58xue@uwaterloo.ca::bbcaf59e-638b-4de5-ac4e-0f843742cd8f" providerId="AD" clId="Web-{977F25FD-3474-AF39-285F-32BDFD3355E3}" dt="2022-01-27T20:37:22.142" v="212" actId="1076"/>
-          <ac:spMkLst>
-            <pc:docMk/>
-            <pc:sldMk cId="1573311491" sldId="262"/>
-            <ac:spMk id="38" creationId="{D9C7E729-99B3-47E4-B71A-07A7BF6CC554}"/>
-          </ac:spMkLst>
-        </pc:spChg>
-        <pc:spChg chg="add mod">
-          <ac:chgData name="Henry Xue" userId="S::y58xue@uwaterloo.ca::bbcaf59e-638b-4de5-ac4e-0f843742cd8f" providerId="AD" clId="Web-{977F25FD-3474-AF39-285F-32BDFD3355E3}" dt="2022-01-27T20:39:34.066" v="236" actId="1076"/>
-          <ac:spMkLst>
-            <pc:docMk/>
-            <pc:sldMk cId="1573311491" sldId="262"/>
-            <ac:spMk id="39" creationId="{904C8C34-D167-4C58-9B8C-5359B7D6CD17}"/>
-          </ac:spMkLst>
-        </pc:spChg>
-        <pc:spChg chg="add mod">
-          <ac:chgData name="Henry Xue" userId="S::y58xue@uwaterloo.ca::bbcaf59e-638b-4de5-ac4e-0f843742cd8f" providerId="AD" clId="Web-{977F25FD-3474-AF39-285F-32BDFD3355E3}" dt="2022-01-27T20:37:38.783" v="216" actId="1076"/>
-          <ac:spMkLst>
-            <pc:docMk/>
-            <pc:sldMk cId="1573311491" sldId="262"/>
-            <ac:spMk id="40" creationId="{0413F3D9-87A5-438A-826C-103AE0B37B46}"/>
-          </ac:spMkLst>
-        </pc:spChg>
-        <pc:spChg chg="add mod">
-          <ac:chgData name="Henry Xue" userId="S::y58xue@uwaterloo.ca::bbcaf59e-638b-4de5-ac4e-0f843742cd8f" providerId="AD" clId="Web-{977F25FD-3474-AF39-285F-32BDFD3355E3}" dt="2022-01-27T20:37:44.830" v="218" actId="1076"/>
-          <ac:spMkLst>
-            <pc:docMk/>
-            <pc:sldMk cId="1573311491" sldId="262"/>
-            <ac:spMk id="41" creationId="{D0838700-4E67-4340-808F-92F899CCB22B}"/>
-          </ac:spMkLst>
-        </pc:spChg>
-        <pc:spChg chg="add mod">
-          <ac:chgData name="Henry Xue" userId="S::y58xue@uwaterloo.ca::bbcaf59e-638b-4de5-ac4e-0f843742cd8f" providerId="AD" clId="Web-{977F25FD-3474-AF39-285F-32BDFD3355E3}" dt="2022-01-27T20:38:34.003" v="232" actId="20577"/>
-          <ac:spMkLst>
-            <pc:docMk/>
-            <pc:sldMk cId="1573311491" sldId="262"/>
-            <ac:spMk id="42" creationId="{3D890DA6-046B-4F7F-B501-F1DEAE610122}"/>
-          </ac:spMkLst>
-        </pc:spChg>
-        <pc:spChg chg="add mod">
-          <ac:chgData name="Henry Xue" userId="S::y58xue@uwaterloo.ca::bbcaf59e-638b-4de5-ac4e-0f843742cd8f" providerId="AD" clId="Web-{977F25FD-3474-AF39-285F-32BDFD3355E3}" dt="2022-01-27T20:46:47.071" v="256" actId="20577"/>
-          <ac:spMkLst>
-            <pc:docMk/>
-            <pc:sldMk cId="1573311491" sldId="262"/>
-            <ac:spMk id="43" creationId="{1733EE85-5EA0-4A34-B9F6-C88D1C508204}"/>
-          </ac:spMkLst>
-        </pc:spChg>
-        <pc:spChg chg="add mod">
-          <ac:chgData name="Henry Xue" userId="S::y58xue@uwaterloo.ca::bbcaf59e-638b-4de5-ac4e-0f843742cd8f" providerId="AD" clId="Web-{977F25FD-3474-AF39-285F-32BDFD3355E3}" dt="2022-01-27T21:21:55.660" v="374" actId="1076"/>
-          <ac:spMkLst>
-            <pc:docMk/>
-            <pc:sldMk cId="1573311491" sldId="262"/>
-            <ac:spMk id="44" creationId="{8915A974-07A7-496B-A864-9698229B992F}"/>
-          </ac:spMkLst>
-        </pc:spChg>
-        <pc:spChg chg="add del mod">
-          <ac:chgData name="Henry Xue" userId="S::y58xue@uwaterloo.ca::bbcaf59e-638b-4de5-ac4e-0f843742cd8f" providerId="AD" clId="Web-{977F25FD-3474-AF39-285F-32BDFD3355E3}" dt="2022-01-27T21:23:31.708" v="379"/>
-          <ac:spMkLst>
-            <pc:docMk/>
-            <pc:sldMk cId="1573311491" sldId="262"/>
-            <ac:spMk id="45" creationId="{6C975EA6-850F-4222-AE01-E9545EDDBC46}"/>
-          </ac:spMkLst>
-        </pc:spChg>
-        <pc:spChg chg="add mod">
-          <ac:chgData name="Henry Xue" userId="S::y58xue@uwaterloo.ca::bbcaf59e-638b-4de5-ac4e-0f843742cd8f" providerId="AD" clId="Web-{977F25FD-3474-AF39-285F-32BDFD3355E3}" dt="2022-01-27T21:22:54.113" v="378" actId="1076"/>
-          <ac:spMkLst>
-            <pc:docMk/>
-            <pc:sldMk cId="1573311491" sldId="262"/>
-            <ac:spMk id="46" creationId="{AE4EFE2E-522C-4377-98C7-16B4E1356FDB}"/>
-          </ac:spMkLst>
-        </pc:spChg>
-        <pc:spChg chg="add mod">
-          <ac:chgData name="Henry Xue" userId="S::y58xue@uwaterloo.ca::bbcaf59e-638b-4de5-ac4e-0f843742cd8f" providerId="AD" clId="Web-{977F25FD-3474-AF39-285F-32BDFD3355E3}" dt="2022-01-27T21:23:38.708" v="381" actId="1076"/>
-          <ac:spMkLst>
-            <pc:docMk/>
-            <pc:sldMk cId="1573311491" sldId="262"/>
-            <ac:spMk id="47" creationId="{01D1CA08-E009-4322-9650-B351DB1AB538}"/>
-          </ac:spMkLst>
-        </pc:spChg>
-        <pc:spChg chg="add mod">
-          <ac:chgData name="Henry Xue" userId="S::y58xue@uwaterloo.ca::bbcaf59e-638b-4de5-ac4e-0f843742cd8f" providerId="AD" clId="Web-{977F25FD-3474-AF39-285F-32BDFD3355E3}" dt="2022-01-27T21:24:42.552" v="388" actId="1076"/>
-          <ac:spMkLst>
-            <pc:docMk/>
-            <pc:sldMk cId="1573311491" sldId="262"/>
-            <ac:spMk id="48" creationId="{6E06A6E6-88CA-4210-AB3F-DFD0BFD3C776}"/>
-          </ac:spMkLst>
-        </pc:spChg>
         <pc:spChg chg="mod">
-          <ac:chgData name="Henry Xue" userId="S::y58xue@uwaterloo.ca::bbcaf59e-638b-4de5-ac4e-0f843742cd8f" providerId="AD" clId="Web-{977F25FD-3474-AF39-285F-32BDFD3355E3}" dt="2022-01-27T23:02:57.110" v="390" actId="20577"/>
+          <ac:chgData name="Henry Xue" userId="S::y58xue@uwaterloo.ca::bbcaf59e-638b-4de5-ac4e-0f843742cd8f" providerId="AD" clId="Web-{E8EE1176-88ED-4B27-A1B1-4687CDE7A6F3}" dt="2022-01-27T18:43:35.157" v="41" actId="1076"/>
           <ac:spMkLst>
             <pc:docMk/>
             <pc:sldMk cId="1573311491" sldId="262"/>
             <ac:spMk id="167" creationId="{00000000-0000-0000-0000-000000000000}"/>
           </ac:spMkLst>
         </pc:spChg>
-      </pc:sldChg>
-      <pc:sldChg chg="delSp modSp add del ord replId">
-        <pc:chgData name="Henry Xue" userId="S::y58xue@uwaterloo.ca::bbcaf59e-638b-4de5-ac4e-0f843742cd8f" providerId="AD" clId="Web-{977F25FD-3474-AF39-285F-32BDFD3355E3}" dt="2022-01-27T20:54:06.030" v="342"/>
-        <pc:sldMkLst>
-          <pc:docMk/>
-          <pc:sldMk cId="3051695923" sldId="269"/>
-        </pc:sldMkLst>
-        <pc:spChg chg="mod">
-          <ac:chgData name="Henry Xue" userId="S::y58xue@uwaterloo.ca::bbcaf59e-638b-4de5-ac4e-0f843742cd8f" providerId="AD" clId="Web-{977F25FD-3474-AF39-285F-32BDFD3355E3}" dt="2022-01-27T20:49:38.417" v="267" actId="20577"/>
-          <ac:spMkLst>
-            <pc:docMk/>
-            <pc:sldMk cId="3051695923" sldId="269"/>
-            <ac:spMk id="167" creationId="{00000000-0000-0000-0000-000000000000}"/>
-          </ac:spMkLst>
-        </pc:spChg>
-        <pc:spChg chg="mod">
-          <ac:chgData name="Henry Xue" userId="S::y58xue@uwaterloo.ca::bbcaf59e-638b-4de5-ac4e-0f843742cd8f" providerId="AD" clId="Web-{977F25FD-3474-AF39-285F-32BDFD3355E3}" dt="2022-01-27T20:54:04.608" v="341" actId="20577"/>
-          <ac:spMkLst>
-            <pc:docMk/>
-            <pc:sldMk cId="3051695923" sldId="269"/>
+        <pc:spChg chg="del">
+          <ac:chgData name="Henry Xue" userId="S::y58xue@uwaterloo.ca::bbcaf59e-638b-4de5-ac4e-0f843742cd8f" providerId="AD" clId="Web-{E8EE1176-88ED-4B27-A1B1-4687CDE7A6F3}" dt="2022-01-27T18:41:39.093" v="9"/>
+          <ac:spMkLst>
+            <pc:docMk/>
+            <pc:sldMk cId="1573311491" sldId="262"/>
             <ac:spMk id="168" creationId="{00000000-0000-0000-0000-000000000000}"/>
           </ac:spMkLst>
         </pc:spChg>
-        <pc:spChg chg="del">
-          <ac:chgData name="Henry Xue" userId="S::y58xue@uwaterloo.ca::bbcaf59e-638b-4de5-ac4e-0f843742cd8f" providerId="AD" clId="Web-{977F25FD-3474-AF39-285F-32BDFD3355E3}" dt="2022-01-27T20:49:51.495" v="268"/>
-          <ac:spMkLst>
-            <pc:docMk/>
-            <pc:sldMk cId="3051695923" sldId="269"/>
+        <pc:spChg chg="del mod">
+          <ac:chgData name="Henry Xue" userId="S::y58xue@uwaterloo.ca::bbcaf59e-638b-4de5-ac4e-0f843742cd8f" providerId="AD" clId="Web-{E8EE1176-88ED-4B27-A1B1-4687CDE7A6F3}" dt="2022-01-27T18:41:39.890" v="10"/>
+          <ac:spMkLst>
+            <pc:docMk/>
+            <pc:sldMk cId="1573311491" sldId="262"/>
             <ac:spMk id="169" creationId="{00000000-0000-0000-0000-000000000000}"/>
-          </ac:spMkLst>
-        </pc:spChg>
-      </pc:sldChg>
-    </pc:docChg>
-  </pc:docChgLst>
-  <pc:docChgLst>
-    <pc:chgData name="Henry Xue" userId="S::y58xue@uwaterloo.ca::bbcaf59e-638b-4de5-ac4e-0f843742cd8f" providerId="AD" clId="Web-{040464D3-F88E-4692-A8B8-6A226B73A95E}"/>
-    <pc:docChg chg="modSld">
-      <pc:chgData name="Henry Xue" userId="S::y58xue@uwaterloo.ca::bbcaf59e-638b-4de5-ac4e-0f843742cd8f" providerId="AD" clId="Web-{040464D3-F88E-4692-A8B8-6A226B73A95E}" dt="2022-01-26T15:49:46.114" v="3" actId="20577"/>
-      <pc:docMkLst>
-        <pc:docMk/>
-      </pc:docMkLst>
-      <pc:sldChg chg="modSp">
-        <pc:chgData name="Henry Xue" userId="S::y58xue@uwaterloo.ca::bbcaf59e-638b-4de5-ac4e-0f843742cd8f" providerId="AD" clId="Web-{040464D3-F88E-4692-A8B8-6A226B73A95E}" dt="2022-01-26T15:49:46.114" v="3" actId="20577"/>
-        <pc:sldMkLst>
-          <pc:docMk/>
-          <pc:sldMk cId="0" sldId="256"/>
-        </pc:sldMkLst>
-        <pc:spChg chg="mod">
-          <ac:chgData name="Henry Xue" userId="S::y58xue@uwaterloo.ca::bbcaf59e-638b-4de5-ac4e-0f843742cd8f" providerId="AD" clId="Web-{040464D3-F88E-4692-A8B8-6A226B73A95E}" dt="2022-01-26T15:49:46.114" v="3" actId="20577"/>
-          <ac:spMkLst>
-            <pc:docMk/>
-            <pc:sldMk cId="0" sldId="256"/>
-            <ac:spMk id="153" creationId="{00000000-0000-0000-0000-000000000000}"/>
           </ac:spMkLst>
         </pc:spChg>
       </pc:sldChg>
@@ -1289,54 +587,6 @@
           <pc:docMk/>
           <pc:sldMk cId="3431089393" sldId="262"/>
         </pc:sldMkLst>
-      </pc:sldChg>
-    </pc:docChg>
-  </pc:docChgLst>
-  <pc:docChgLst>
-    <pc:chgData name="Henry Xue" userId="S::y58xue@uwaterloo.ca::bbcaf59e-638b-4de5-ac4e-0f843742cd8f" providerId="AD" clId="Web-{C8EC613D-35E4-B165-42B5-9B9B3ADB822D}"/>
-    <pc:docChg chg="modSld">
-      <pc:chgData name="Henry Xue" userId="S::y58xue@uwaterloo.ca::bbcaf59e-638b-4de5-ac4e-0f843742cd8f" providerId="AD" clId="Web-{C8EC613D-35E4-B165-42B5-9B9B3ADB822D}" dt="2022-01-28T02:08:50.246" v="409" actId="20577"/>
-      <pc:docMkLst>
-        <pc:docMk/>
-      </pc:docMkLst>
-      <pc:sldChg chg="modSp modNotes">
-        <pc:chgData name="Henry Xue" userId="S::y58xue@uwaterloo.ca::bbcaf59e-638b-4de5-ac4e-0f843742cd8f" providerId="AD" clId="Web-{C8EC613D-35E4-B165-42B5-9B9B3ADB822D}" dt="2022-01-28T02:08:50.246" v="409" actId="20577"/>
-        <pc:sldMkLst>
-          <pc:docMk/>
-          <pc:sldMk cId="815136904" sldId="276"/>
-        </pc:sldMkLst>
-        <pc:spChg chg="mod">
-          <ac:chgData name="Henry Xue" userId="S::y58xue@uwaterloo.ca::bbcaf59e-638b-4de5-ac4e-0f843742cd8f" providerId="AD" clId="Web-{C8EC613D-35E4-B165-42B5-9B9B3ADB822D}" dt="2022-01-28T02:08:50.246" v="409" actId="20577"/>
-          <ac:spMkLst>
-            <pc:docMk/>
-            <pc:sldMk cId="815136904" sldId="276"/>
-            <ac:spMk id="6" creationId="{E6525AAF-5AA5-4152-A352-DAE8B713386A}"/>
-          </ac:spMkLst>
-        </pc:spChg>
-      </pc:sldChg>
-    </pc:docChg>
-  </pc:docChgLst>
-  <pc:docChgLst>
-    <pc:chgData name="Ivan Igoshev" userId="a040743a-0e34-48e2-a9f5-26858867d0d3" providerId="ADAL" clId="{AD3B3D3F-2B93-E843-BC10-0E6B0101BB8F}"/>
-    <pc:docChg chg="modSld">
-      <pc:chgData name="Ivan Igoshev" userId="a040743a-0e34-48e2-a9f5-26858867d0d3" providerId="ADAL" clId="{AD3B3D3F-2B93-E843-BC10-0E6B0101BB8F}" dt="2022-01-28T02:11:36.519" v="24" actId="20577"/>
-      <pc:docMkLst>
-        <pc:docMk/>
-      </pc:docMkLst>
-      <pc:sldChg chg="modSp">
-        <pc:chgData name="Ivan Igoshev" userId="a040743a-0e34-48e2-a9f5-26858867d0d3" providerId="ADAL" clId="{AD3B3D3F-2B93-E843-BC10-0E6B0101BB8F}" dt="2022-01-28T02:11:36.519" v="24" actId="20577"/>
-        <pc:sldMkLst>
-          <pc:docMk/>
-          <pc:sldMk cId="2554992809" sldId="275"/>
-        </pc:sldMkLst>
-        <pc:spChg chg="mod">
-          <ac:chgData name="Ivan Igoshev" userId="a040743a-0e34-48e2-a9f5-26858867d0d3" providerId="ADAL" clId="{AD3B3D3F-2B93-E843-BC10-0E6B0101BB8F}" dt="2022-01-28T02:11:36.519" v="24" actId="20577"/>
-          <ac:spMkLst>
-            <pc:docMk/>
-            <pc:sldMk cId="2554992809" sldId="275"/>
-            <ac:spMk id="2" creationId="{A930B100-D135-422A-B126-FF7053E5DC94}"/>
-          </ac:spMkLst>
-        </pc:spChg>
       </pc:sldChg>
     </pc:docChg>
   </pc:docChgLst>
@@ -1551,230 +801,6 @@
     </pc:docChg>
   </pc:docChgLst>
   <pc:docChgLst>
-    <pc:chgData name="Henry Xue" userId="S::y58xue@uwaterloo.ca::bbcaf59e-638b-4de5-ac4e-0f843742cd8f" providerId="AD" clId="Web-{E8EE1176-88ED-4B27-A1B1-4687CDE7A6F3}"/>
-    <pc:docChg chg="addSld modSld">
-      <pc:chgData name="Henry Xue" userId="S::y58xue@uwaterloo.ca::bbcaf59e-638b-4de5-ac4e-0f843742cd8f" providerId="AD" clId="Web-{E8EE1176-88ED-4B27-A1B1-4687CDE7A6F3}" dt="2022-01-27T18:55:51.199" v="190" actId="20577"/>
-      <pc:docMkLst>
-        <pc:docMk/>
-      </pc:docMkLst>
-      <pc:sldChg chg="addSp delSp modSp add replId">
-        <pc:chgData name="Henry Xue" userId="S::y58xue@uwaterloo.ca::bbcaf59e-638b-4de5-ac4e-0f843742cd8f" providerId="AD" clId="Web-{E8EE1176-88ED-4B27-A1B1-4687CDE7A6F3}" dt="2022-01-27T18:55:51.199" v="190" actId="20577"/>
-        <pc:sldMkLst>
-          <pc:docMk/>
-          <pc:sldMk cId="1573311491" sldId="262"/>
-        </pc:sldMkLst>
-        <pc:spChg chg="add del mod">
-          <ac:chgData name="Henry Xue" userId="S::y58xue@uwaterloo.ca::bbcaf59e-638b-4de5-ac4e-0f843742cd8f" providerId="AD" clId="Web-{E8EE1176-88ED-4B27-A1B1-4687CDE7A6F3}" dt="2022-01-27T18:41:55.093" v="15"/>
-          <ac:spMkLst>
-            <pc:docMk/>
-            <pc:sldMk cId="1573311491" sldId="262"/>
-            <ac:spMk id="2" creationId="{0AD89046-1C0F-4CA2-B6FB-FFD8B5B38963}"/>
-          </ac:spMkLst>
-        </pc:spChg>
-        <pc:spChg chg="add mod">
-          <ac:chgData name="Henry Xue" userId="S::y58xue@uwaterloo.ca::bbcaf59e-638b-4de5-ac4e-0f843742cd8f" providerId="AD" clId="Web-{E8EE1176-88ED-4B27-A1B1-4687CDE7A6F3}" dt="2022-01-27T18:44:01.907" v="46" actId="1076"/>
-          <ac:spMkLst>
-            <pc:docMk/>
-            <pc:sldMk cId="1573311491" sldId="262"/>
-            <ac:spMk id="3" creationId="{DEDE43FE-830E-4806-85C9-D779516F02CC}"/>
-          </ac:spMkLst>
-        </pc:spChg>
-        <pc:spChg chg="add mod">
-          <ac:chgData name="Henry Xue" userId="S::y58xue@uwaterloo.ca::bbcaf59e-638b-4de5-ac4e-0f843742cd8f" providerId="AD" clId="Web-{E8EE1176-88ED-4B27-A1B1-4687CDE7A6F3}" dt="2022-01-27T18:44:04.876" v="47" actId="1076"/>
-          <ac:spMkLst>
-            <pc:docMk/>
-            <pc:sldMk cId="1573311491" sldId="262"/>
-            <ac:spMk id="4" creationId="{A5CD6947-2828-4855-B2B3-CB0F8234A11C}"/>
-          </ac:spMkLst>
-        </pc:spChg>
-        <pc:spChg chg="add mod">
-          <ac:chgData name="Henry Xue" userId="S::y58xue@uwaterloo.ca::bbcaf59e-638b-4de5-ac4e-0f843742cd8f" providerId="AD" clId="Web-{E8EE1176-88ED-4B27-A1B1-4687CDE7A6F3}" dt="2022-01-27T18:44:15.767" v="52" actId="14100"/>
-          <ac:spMkLst>
-            <pc:docMk/>
-            <pc:sldMk cId="1573311491" sldId="262"/>
-            <ac:spMk id="5" creationId="{6566029C-C840-42C4-A6BC-3BAE6FDD6F72}"/>
-          </ac:spMkLst>
-        </pc:spChg>
-        <pc:spChg chg="add mod">
-          <ac:chgData name="Henry Xue" userId="S::y58xue@uwaterloo.ca::bbcaf59e-638b-4de5-ac4e-0f843742cd8f" providerId="AD" clId="Web-{E8EE1176-88ED-4B27-A1B1-4687CDE7A6F3}" dt="2022-01-27T18:47:06.785" v="84" actId="1076"/>
-          <ac:spMkLst>
-            <pc:docMk/>
-            <pc:sldMk cId="1573311491" sldId="262"/>
-            <ac:spMk id="6" creationId="{62FC027B-EE7C-4204-B1E6-AF0C325AF1F6}"/>
-          </ac:spMkLst>
-        </pc:spChg>
-        <pc:spChg chg="add mod">
-          <ac:chgData name="Henry Xue" userId="S::y58xue@uwaterloo.ca::bbcaf59e-638b-4de5-ac4e-0f843742cd8f" providerId="AD" clId="Web-{E8EE1176-88ED-4B27-A1B1-4687CDE7A6F3}" dt="2022-01-27T18:47:11.160" v="85" actId="1076"/>
-          <ac:spMkLst>
-            <pc:docMk/>
-            <pc:sldMk cId="1573311491" sldId="262"/>
-            <ac:spMk id="7" creationId="{DD72D02A-E8E1-440C-B820-82521007D9E5}"/>
-          </ac:spMkLst>
-        </pc:spChg>
-        <pc:spChg chg="add mod">
-          <ac:chgData name="Henry Xue" userId="S::y58xue@uwaterloo.ca::bbcaf59e-638b-4de5-ac4e-0f843742cd8f" providerId="AD" clId="Web-{E8EE1176-88ED-4B27-A1B1-4687CDE7A6F3}" dt="2022-01-27T18:47:16.629" v="87" actId="1076"/>
-          <ac:spMkLst>
-            <pc:docMk/>
-            <pc:sldMk cId="1573311491" sldId="262"/>
-            <ac:spMk id="8" creationId="{48DF536F-B4FB-41B3-8842-5C4F956CBF9B}"/>
-          </ac:spMkLst>
-        </pc:spChg>
-        <pc:spChg chg="add del mod">
-          <ac:chgData name="Henry Xue" userId="S::y58xue@uwaterloo.ca::bbcaf59e-638b-4de5-ac4e-0f843742cd8f" providerId="AD" clId="Web-{E8EE1176-88ED-4B27-A1B1-4687CDE7A6F3}" dt="2022-01-27T18:47:50.051" v="91"/>
-          <ac:spMkLst>
-            <pc:docMk/>
-            <pc:sldMk cId="1573311491" sldId="262"/>
-            <ac:spMk id="9" creationId="{C3B7BBDB-A557-4FA3-A87E-D1EAB3D50279}"/>
-          </ac:spMkLst>
-        </pc:spChg>
-        <pc:spChg chg="add del mod">
-          <ac:chgData name="Henry Xue" userId="S::y58xue@uwaterloo.ca::bbcaf59e-638b-4de5-ac4e-0f843742cd8f" providerId="AD" clId="Web-{E8EE1176-88ED-4B27-A1B1-4687CDE7A6F3}" dt="2022-01-27T18:48:13.614" v="101"/>
-          <ac:spMkLst>
-            <pc:docMk/>
-            <pc:sldMk cId="1573311491" sldId="262"/>
-            <ac:spMk id="10" creationId="{1FB5D2C2-D555-4FBD-A5BC-4D2ACA320F65}"/>
-          </ac:spMkLst>
-        </pc:spChg>
-        <pc:spChg chg="add del mod">
-          <ac:chgData name="Henry Xue" userId="S::y58xue@uwaterloo.ca::bbcaf59e-638b-4de5-ac4e-0f843742cd8f" providerId="AD" clId="Web-{E8EE1176-88ED-4B27-A1B1-4687CDE7A6F3}" dt="2022-01-27T18:49:24.787" v="126"/>
-          <ac:spMkLst>
-            <pc:docMk/>
-            <pc:sldMk cId="1573311491" sldId="262"/>
-            <ac:spMk id="11" creationId="{7FD04E32-3F36-482C-B6C0-790E2C1F8AAA}"/>
-          </ac:spMkLst>
-        </pc:spChg>
-        <pc:spChg chg="add del">
-          <ac:chgData name="Henry Xue" userId="S::y58xue@uwaterloo.ca::bbcaf59e-638b-4de5-ac4e-0f843742cd8f" providerId="AD" clId="Web-{E8EE1176-88ED-4B27-A1B1-4687CDE7A6F3}" dt="2022-01-27T18:49:41.819" v="128"/>
-          <ac:spMkLst>
-            <pc:docMk/>
-            <pc:sldMk cId="1573311491" sldId="262"/>
-            <ac:spMk id="12" creationId="{E5179D9E-B219-4B9A-825C-2C767F535634}"/>
-          </ac:spMkLst>
-        </pc:spChg>
-        <pc:spChg chg="add mod">
-          <ac:chgData name="Henry Xue" userId="S::y58xue@uwaterloo.ca::bbcaf59e-638b-4de5-ac4e-0f843742cd8f" providerId="AD" clId="Web-{E8EE1176-88ED-4B27-A1B1-4687CDE7A6F3}" dt="2022-01-27T18:49:58.913" v="132" actId="1076"/>
-          <ac:spMkLst>
-            <pc:docMk/>
-            <pc:sldMk cId="1573311491" sldId="262"/>
-            <ac:spMk id="13" creationId="{9C4773FC-3139-42A2-BC08-D5275A3C886C}"/>
-          </ac:spMkLst>
-        </pc:spChg>
-        <pc:spChg chg="add mod">
-          <ac:chgData name="Henry Xue" userId="S::y58xue@uwaterloo.ca::bbcaf59e-638b-4de5-ac4e-0f843742cd8f" providerId="AD" clId="Web-{E8EE1176-88ED-4B27-A1B1-4687CDE7A6F3}" dt="2022-01-27T18:51:12.726" v="154" actId="1076"/>
-          <ac:spMkLst>
-            <pc:docMk/>
-            <pc:sldMk cId="1573311491" sldId="262"/>
-            <ac:spMk id="14" creationId="{89FBAED9-9F33-47BD-AE44-0C09CC98CF25}"/>
-          </ac:spMkLst>
-        </pc:spChg>
-        <pc:spChg chg="add mod">
-          <ac:chgData name="Henry Xue" userId="S::y58xue@uwaterloo.ca::bbcaf59e-638b-4de5-ac4e-0f843742cd8f" providerId="AD" clId="Web-{E8EE1176-88ED-4B27-A1B1-4687CDE7A6F3}" dt="2022-01-27T18:52:00.102" v="159" actId="1076"/>
-          <ac:spMkLst>
-            <pc:docMk/>
-            <pc:sldMk cId="1573311491" sldId="262"/>
-            <ac:spMk id="15" creationId="{65803227-EE29-4B71-A1C3-917FBBCC7E30}"/>
-          </ac:spMkLst>
-        </pc:spChg>
-        <pc:spChg chg="add mod">
-          <ac:chgData name="Henry Xue" userId="S::y58xue@uwaterloo.ca::bbcaf59e-638b-4de5-ac4e-0f843742cd8f" providerId="AD" clId="Web-{E8EE1176-88ED-4B27-A1B1-4687CDE7A6F3}" dt="2022-01-27T18:52:44.775" v="181" actId="1076"/>
-          <ac:spMkLst>
-            <pc:docMk/>
-            <pc:sldMk cId="1573311491" sldId="262"/>
-            <ac:spMk id="16" creationId="{32C9E458-3E81-4BD3-92A4-91F1326C0AAF}"/>
-          </ac:spMkLst>
-        </pc:spChg>
-        <pc:spChg chg="add mod">
-          <ac:chgData name="Henry Xue" userId="S::y58xue@uwaterloo.ca::bbcaf59e-638b-4de5-ac4e-0f843742cd8f" providerId="AD" clId="Web-{E8EE1176-88ED-4B27-A1B1-4687CDE7A6F3}" dt="2022-01-27T18:50:29.085" v="140" actId="1076"/>
-          <ac:spMkLst>
-            <pc:docMk/>
-            <pc:sldMk cId="1573311491" sldId="262"/>
-            <ac:spMk id="17" creationId="{E87AA93F-448F-4D9E-84BB-1231C38B868A}"/>
-          </ac:spMkLst>
-        </pc:spChg>
-        <pc:spChg chg="add mod">
-          <ac:chgData name="Henry Xue" userId="S::y58xue@uwaterloo.ca::bbcaf59e-638b-4de5-ac4e-0f843742cd8f" providerId="AD" clId="Web-{E8EE1176-88ED-4B27-A1B1-4687CDE7A6F3}" dt="2022-01-27T18:50:26.116" v="139" actId="1076"/>
-          <ac:spMkLst>
-            <pc:docMk/>
-            <pc:sldMk cId="1573311491" sldId="262"/>
-            <ac:spMk id="18" creationId="{ACFB6B79-F91C-4E4B-8C5D-67541DFA3202}"/>
-          </ac:spMkLst>
-        </pc:spChg>
-        <pc:spChg chg="add mod">
-          <ac:chgData name="Henry Xue" userId="S::y58xue@uwaterloo.ca::bbcaf59e-638b-4de5-ac4e-0f843742cd8f" providerId="AD" clId="Web-{E8EE1176-88ED-4B27-A1B1-4687CDE7A6F3}" dt="2022-01-27T18:50:17.757" v="138" actId="1076"/>
-          <ac:spMkLst>
-            <pc:docMk/>
-            <pc:sldMk cId="1573311491" sldId="262"/>
-            <ac:spMk id="19" creationId="{FB5D3533-6611-4170-B776-73FA9B00F251}"/>
-          </ac:spMkLst>
-        </pc:spChg>
-        <pc:spChg chg="add mod">
-          <ac:chgData name="Henry Xue" userId="S::y58xue@uwaterloo.ca::bbcaf59e-638b-4de5-ac4e-0f843742cd8f" providerId="AD" clId="Web-{E8EE1176-88ED-4B27-A1B1-4687CDE7A6F3}" dt="2022-01-27T18:50:11.538" v="137" actId="1076"/>
-          <ac:spMkLst>
-            <pc:docMk/>
-            <pc:sldMk cId="1573311491" sldId="262"/>
-            <ac:spMk id="20" creationId="{73F9CD8D-E105-4D4E-97B3-84343A8E01B6}"/>
-          </ac:spMkLst>
-        </pc:spChg>
-        <pc:spChg chg="add mod">
-          <ac:chgData name="Henry Xue" userId="S::y58xue@uwaterloo.ca::bbcaf59e-638b-4de5-ac4e-0f843742cd8f" providerId="AD" clId="Web-{E8EE1176-88ED-4B27-A1B1-4687CDE7A6F3}" dt="2022-01-27T18:50:41.788" v="143" actId="1076"/>
-          <ac:spMkLst>
-            <pc:docMk/>
-            <pc:sldMk cId="1573311491" sldId="262"/>
-            <ac:spMk id="21" creationId="{89211CC6-5A22-4A5F-BBDA-25911C7CE27A}"/>
-          </ac:spMkLst>
-        </pc:spChg>
-        <pc:spChg chg="add mod">
-          <ac:chgData name="Henry Xue" userId="S::y58xue@uwaterloo.ca::bbcaf59e-638b-4de5-ac4e-0f843742cd8f" providerId="AD" clId="Web-{E8EE1176-88ED-4B27-A1B1-4687CDE7A6F3}" dt="2022-01-27T18:52:18.134" v="169" actId="1076"/>
-          <ac:spMkLst>
-            <pc:docMk/>
-            <pc:sldMk cId="1573311491" sldId="262"/>
-            <ac:spMk id="24" creationId="{4D417E2F-3E8B-4F86-963C-11394905CCAB}"/>
-          </ac:spMkLst>
-        </pc:spChg>
-        <pc:spChg chg="add mod">
-          <ac:chgData name="Henry Xue" userId="S::y58xue@uwaterloo.ca::bbcaf59e-638b-4de5-ac4e-0f843742cd8f" providerId="AD" clId="Web-{E8EE1176-88ED-4B27-A1B1-4687CDE7A6F3}" dt="2022-01-27T18:55:26.402" v="186" actId="20577"/>
-          <ac:spMkLst>
-            <pc:docMk/>
-            <pc:sldMk cId="1573311491" sldId="262"/>
-            <ac:spMk id="26" creationId="{366125D8-9741-4BAC-B3E4-78DD31248C08}"/>
-          </ac:spMkLst>
-        </pc:spChg>
-        <pc:spChg chg="add mod">
-          <ac:chgData name="Henry Xue" userId="S::y58xue@uwaterloo.ca::bbcaf59e-638b-4de5-ac4e-0f843742cd8f" providerId="AD" clId="Web-{E8EE1176-88ED-4B27-A1B1-4687CDE7A6F3}" dt="2022-01-27T18:55:51.199" v="190" actId="20577"/>
-          <ac:spMkLst>
-            <pc:docMk/>
-            <pc:sldMk cId="1573311491" sldId="262"/>
-            <ac:spMk id="27" creationId="{5EA29F06-3D1C-4D03-B194-5A8F994B3BF7}"/>
-          </ac:spMkLst>
-        </pc:spChg>
-        <pc:spChg chg="mod">
-          <ac:chgData name="Henry Xue" userId="S::y58xue@uwaterloo.ca::bbcaf59e-638b-4de5-ac4e-0f843742cd8f" providerId="AD" clId="Web-{E8EE1176-88ED-4B27-A1B1-4687CDE7A6F3}" dt="2022-01-27T18:43:35.157" v="41" actId="1076"/>
-          <ac:spMkLst>
-            <pc:docMk/>
-            <pc:sldMk cId="1573311491" sldId="262"/>
-            <ac:spMk id="167" creationId="{00000000-0000-0000-0000-000000000000}"/>
-          </ac:spMkLst>
-        </pc:spChg>
-        <pc:spChg chg="del">
-          <ac:chgData name="Henry Xue" userId="S::y58xue@uwaterloo.ca::bbcaf59e-638b-4de5-ac4e-0f843742cd8f" providerId="AD" clId="Web-{E8EE1176-88ED-4B27-A1B1-4687CDE7A6F3}" dt="2022-01-27T18:41:39.093" v="9"/>
-          <ac:spMkLst>
-            <pc:docMk/>
-            <pc:sldMk cId="1573311491" sldId="262"/>
-            <ac:spMk id="168" creationId="{00000000-0000-0000-0000-000000000000}"/>
-          </ac:spMkLst>
-        </pc:spChg>
-        <pc:spChg chg="del mod">
-          <ac:chgData name="Henry Xue" userId="S::y58xue@uwaterloo.ca::bbcaf59e-638b-4de5-ac4e-0f843742cd8f" providerId="AD" clId="Web-{E8EE1176-88ED-4B27-A1B1-4687CDE7A6F3}" dt="2022-01-27T18:41:39.890" v="10"/>
-          <ac:spMkLst>
-            <pc:docMk/>
-            <pc:sldMk cId="1573311491" sldId="262"/>
-            <ac:spMk id="169" creationId="{00000000-0000-0000-0000-000000000000}"/>
-          </ac:spMkLst>
-        </pc:spChg>
-      </pc:sldChg>
-    </pc:docChg>
-  </pc:docChgLst>
-  <pc:docChgLst>
     <pc:chgData name="Adam LaPorta" userId="S::ajrlapor@uwaterloo.ca::f8cf1340-8ea0-4abe-9a00-e2aa05e8762b" providerId="AD" clId="Web-{A60C029B-C588-4C84-933A-3DC88B7A430B}"/>
     <pc:docChg chg="addSld modSld">
       <pc:chgData name="Adam LaPorta" userId="S::ajrlapor@uwaterloo.ca::f8cf1340-8ea0-4abe-9a00-e2aa05e8762b" providerId="AD" clId="Web-{A60C029B-C588-4C84-933A-3DC88B7A430B}" dt="2022-01-27T23:52:14.455" v="119"/>
@@ -2846,6 +1872,980 @@
           </pc:sldLayoutMkLst>
         </pc:sldLayoutChg>
       </pc:sldMasterChg>
+    </pc:docChg>
+  </pc:docChgLst>
+  <pc:docChgLst>
+    <pc:chgData name="Ivan Igoshev" userId="a040743a-0e34-48e2-a9f5-26858867d0d3" providerId="ADAL" clId="{1AD43353-6C96-451A-BB55-BC75F83E7E77}"/>
+    <pc:docChg chg="undo custSel addSld delSld modSld sldOrd modMainMaster">
+      <pc:chgData name="Ivan Igoshev" userId="a040743a-0e34-48e2-a9f5-26858867d0d3" providerId="ADAL" clId="{1AD43353-6C96-451A-BB55-BC75F83E7E77}" dt="2022-01-27T23:29:06.410" v="856" actId="1076"/>
+      <pc:docMkLst>
+        <pc:docMk/>
+      </pc:docMkLst>
+      <pc:sldChg chg="modSp mod setBg">
+        <pc:chgData name="Ivan Igoshev" userId="a040743a-0e34-48e2-a9f5-26858867d0d3" providerId="ADAL" clId="{1AD43353-6C96-451A-BB55-BC75F83E7E77}" dt="2022-01-27T22:23:58.449" v="24"/>
+        <pc:sldMkLst>
+          <pc:docMk/>
+          <pc:sldMk cId="0" sldId="256"/>
+        </pc:sldMkLst>
+        <pc:spChg chg="mod">
+          <ac:chgData name="Ivan Igoshev" userId="a040743a-0e34-48e2-a9f5-26858867d0d3" providerId="ADAL" clId="{1AD43353-6C96-451A-BB55-BC75F83E7E77}" dt="2022-01-27T21:27:30.236" v="5" actId="20577"/>
+          <ac:spMkLst>
+            <pc:docMk/>
+            <pc:sldMk cId="0" sldId="256"/>
+            <ac:spMk id="9" creationId="{E185C6D9-07C1-4768-AE58-D03FF6330351}"/>
+          </ac:spMkLst>
+        </pc:spChg>
+        <pc:picChg chg="mod">
+          <ac:chgData name="Ivan Igoshev" userId="a040743a-0e34-48e2-a9f5-26858867d0d3" providerId="ADAL" clId="{1AD43353-6C96-451A-BB55-BC75F83E7E77}" dt="2022-01-27T22:02:36.394" v="14" actId="1076"/>
+          <ac:picMkLst>
+            <pc:docMk/>
+            <pc:sldMk cId="0" sldId="256"/>
+            <ac:picMk id="7" creationId="{24E9226E-DAAC-4F6D-AC29-89A0FF5CA72D}"/>
+          </ac:picMkLst>
+        </pc:picChg>
+      </pc:sldChg>
+      <pc:sldChg chg="addSp delSp modSp mod">
+        <pc:chgData name="Ivan Igoshev" userId="a040743a-0e34-48e2-a9f5-26858867d0d3" providerId="ADAL" clId="{1AD43353-6C96-451A-BB55-BC75F83E7E77}" dt="2022-01-27T22:54:08.247" v="491" actId="207"/>
+        <pc:sldMkLst>
+          <pc:docMk/>
+          <pc:sldMk cId="0" sldId="257"/>
+        </pc:sldMkLst>
+        <pc:spChg chg="add mod">
+          <ac:chgData name="Ivan Igoshev" userId="a040743a-0e34-48e2-a9f5-26858867d0d3" providerId="ADAL" clId="{1AD43353-6C96-451A-BB55-BC75F83E7E77}" dt="2022-01-27T22:54:08.247" v="491" actId="207"/>
+          <ac:spMkLst>
+            <pc:docMk/>
+            <pc:sldMk cId="0" sldId="257"/>
+            <ac:spMk id="4" creationId="{16A0BE12-8AF0-4BAE-849B-A966CFFF83C6}"/>
+          </ac:spMkLst>
+        </pc:spChg>
+        <pc:picChg chg="add mod">
+          <ac:chgData name="Ivan Igoshev" userId="a040743a-0e34-48e2-a9f5-26858867d0d3" providerId="ADAL" clId="{1AD43353-6C96-451A-BB55-BC75F83E7E77}" dt="2022-01-27T22:26:15.784" v="41" actId="14100"/>
+          <ac:picMkLst>
+            <pc:docMk/>
+            <pc:sldMk cId="0" sldId="257"/>
+            <ac:picMk id="3" creationId="{7C637968-FB00-4624-87A4-C72865099004}"/>
+          </ac:picMkLst>
+        </pc:picChg>
+        <pc:picChg chg="del">
+          <ac:chgData name="Ivan Igoshev" userId="a040743a-0e34-48e2-a9f5-26858867d0d3" providerId="ADAL" clId="{1AD43353-6C96-451A-BB55-BC75F83E7E77}" dt="2022-01-27T22:24:48.615" v="25" actId="478"/>
+          <ac:picMkLst>
+            <pc:docMk/>
+            <pc:sldMk cId="0" sldId="257"/>
+            <ac:picMk id="7" creationId="{5389AA11-4A5B-4045-8AFB-28DE77542377}"/>
+          </ac:picMkLst>
+        </pc:picChg>
+        <pc:picChg chg="del">
+          <ac:chgData name="Ivan Igoshev" userId="a040743a-0e34-48e2-a9f5-26858867d0d3" providerId="ADAL" clId="{1AD43353-6C96-451A-BB55-BC75F83E7E77}" dt="2022-01-27T21:21:49.015" v="0" actId="478"/>
+          <ac:picMkLst>
+            <pc:docMk/>
+            <pc:sldMk cId="0" sldId="257"/>
+            <ac:picMk id="9" creationId="{B8A97FD9-1E4E-4DB8-8A8D-43DDA1EC31DF}"/>
+          </ac:picMkLst>
+        </pc:picChg>
+      </pc:sldChg>
+      <pc:sldChg chg="delSp modSp del mod">
+        <pc:chgData name="Ivan Igoshev" userId="a040743a-0e34-48e2-a9f5-26858867d0d3" providerId="ADAL" clId="{1AD43353-6C96-451A-BB55-BC75F83E7E77}" dt="2022-01-27T23:25:03.579" v="719" actId="47"/>
+        <pc:sldMkLst>
+          <pc:docMk/>
+          <pc:sldMk cId="0" sldId="261"/>
+        </pc:sldMkLst>
+        <pc:spChg chg="del mod">
+          <ac:chgData name="Ivan Igoshev" userId="a040743a-0e34-48e2-a9f5-26858867d0d3" providerId="ADAL" clId="{1AD43353-6C96-451A-BB55-BC75F83E7E77}" dt="2022-01-27T23:05:34.415" v="536" actId="478"/>
+          <ac:spMkLst>
+            <pc:docMk/>
+            <pc:sldMk cId="0" sldId="261"/>
+            <ac:spMk id="173" creationId="{00000000-0000-0000-0000-000000000000}"/>
+          </ac:spMkLst>
+        </pc:spChg>
+      </pc:sldChg>
+      <pc:sldChg chg="modSp mod ord">
+        <pc:chgData name="Ivan Igoshev" userId="a040743a-0e34-48e2-a9f5-26858867d0d3" providerId="ADAL" clId="{1AD43353-6C96-451A-BB55-BC75F83E7E77}" dt="2022-01-27T23:25:58.263" v="725"/>
+        <pc:sldMkLst>
+          <pc:docMk/>
+          <pc:sldMk cId="1887436794" sldId="263"/>
+        </pc:sldMkLst>
+        <pc:spChg chg="mod">
+          <ac:chgData name="Ivan Igoshev" userId="a040743a-0e34-48e2-a9f5-26858867d0d3" providerId="ADAL" clId="{1AD43353-6C96-451A-BB55-BC75F83E7E77}" dt="2022-01-27T23:21:39.638" v="700" actId="20577"/>
+          <ac:spMkLst>
+            <pc:docMk/>
+            <pc:sldMk cId="1887436794" sldId="263"/>
+            <ac:spMk id="156" creationId="{00000000-0000-0000-0000-000000000000}"/>
+          </ac:spMkLst>
+        </pc:spChg>
+        <pc:spChg chg="mod">
+          <ac:chgData name="Ivan Igoshev" userId="a040743a-0e34-48e2-a9f5-26858867d0d3" providerId="ADAL" clId="{1AD43353-6C96-451A-BB55-BC75F83E7E77}" dt="2022-01-27T23:21:46.007" v="701" actId="20577"/>
+          <ac:spMkLst>
+            <pc:docMk/>
+            <pc:sldMk cId="1887436794" sldId="263"/>
+            <ac:spMk id="157" creationId="{00000000-0000-0000-0000-000000000000}"/>
+          </ac:spMkLst>
+        </pc:spChg>
+      </pc:sldChg>
+      <pc:sldChg chg="del">
+        <pc:chgData name="Ivan Igoshev" userId="a040743a-0e34-48e2-a9f5-26858867d0d3" providerId="ADAL" clId="{1AD43353-6C96-451A-BB55-BC75F83E7E77}" dt="2022-01-27T23:20:42.274" v="679" actId="47"/>
+        <pc:sldMkLst>
+          <pc:docMk/>
+          <pc:sldMk cId="4123418781" sldId="264"/>
+        </pc:sldMkLst>
+      </pc:sldChg>
+      <pc:sldChg chg="delSp del mod">
+        <pc:chgData name="Ivan Igoshev" userId="a040743a-0e34-48e2-a9f5-26858867d0d3" providerId="ADAL" clId="{1AD43353-6C96-451A-BB55-BC75F83E7E77}" dt="2022-01-27T22:24:52.085" v="27" actId="47"/>
+        <pc:sldMkLst>
+          <pc:docMk/>
+          <pc:sldMk cId="3152170496" sldId="266"/>
+        </pc:sldMkLst>
+        <pc:picChg chg="del">
+          <ac:chgData name="Ivan Igoshev" userId="a040743a-0e34-48e2-a9f5-26858867d0d3" providerId="ADAL" clId="{1AD43353-6C96-451A-BB55-BC75F83E7E77}" dt="2022-01-27T22:24:50.278" v="26" actId="478"/>
+          <ac:picMkLst>
+            <pc:docMk/>
+            <pc:sldMk cId="3152170496" sldId="266"/>
+            <ac:picMk id="3" creationId="{C7C301D6-CBA7-4583-91B1-8329E58DB3E3}"/>
+          </ac:picMkLst>
+        </pc:picChg>
+      </pc:sldChg>
+      <pc:sldChg chg="addSp modSp mod">
+        <pc:chgData name="Ivan Igoshev" userId="a040743a-0e34-48e2-a9f5-26858867d0d3" providerId="ADAL" clId="{1AD43353-6C96-451A-BB55-BC75F83E7E77}" dt="2022-01-27T23:24:34.562" v="718" actId="207"/>
+        <pc:sldMkLst>
+          <pc:docMk/>
+          <pc:sldMk cId="1389920690" sldId="267"/>
+        </pc:sldMkLst>
+        <pc:spChg chg="add mod">
+          <ac:chgData name="Ivan Igoshev" userId="a040743a-0e34-48e2-a9f5-26858867d0d3" providerId="ADAL" clId="{1AD43353-6C96-451A-BB55-BC75F83E7E77}" dt="2022-01-27T23:22:55.606" v="703" actId="207"/>
+          <ac:spMkLst>
+            <pc:docMk/>
+            <pc:sldMk cId="1389920690" sldId="267"/>
+            <ac:spMk id="5" creationId="{F3DCC241-8DC4-437D-9505-DB87EC9E1743}"/>
+          </ac:spMkLst>
+        </pc:spChg>
+        <pc:spChg chg="add mod">
+          <ac:chgData name="Ivan Igoshev" userId="a040743a-0e34-48e2-a9f5-26858867d0d3" providerId="ADAL" clId="{1AD43353-6C96-451A-BB55-BC75F83E7E77}" dt="2022-01-27T23:23:23.411" v="705" actId="207"/>
+          <ac:spMkLst>
+            <pc:docMk/>
+            <pc:sldMk cId="1389920690" sldId="267"/>
+            <ac:spMk id="6" creationId="{E8945C19-70F4-44B5-B2DA-E7401963D137}"/>
+          </ac:spMkLst>
+        </pc:spChg>
+        <pc:spChg chg="add mod">
+          <ac:chgData name="Ivan Igoshev" userId="a040743a-0e34-48e2-a9f5-26858867d0d3" providerId="ADAL" clId="{1AD43353-6C96-451A-BB55-BC75F83E7E77}" dt="2022-01-27T23:23:35.448" v="707" actId="207"/>
+          <ac:spMkLst>
+            <pc:docMk/>
+            <pc:sldMk cId="1389920690" sldId="267"/>
+            <ac:spMk id="7" creationId="{F85D4D19-34D5-40F3-A947-FB673C303E21}"/>
+          </ac:spMkLst>
+        </pc:spChg>
+        <pc:spChg chg="add mod">
+          <ac:chgData name="Ivan Igoshev" userId="a040743a-0e34-48e2-a9f5-26858867d0d3" providerId="ADAL" clId="{1AD43353-6C96-451A-BB55-BC75F83E7E77}" dt="2022-01-27T23:24:34.562" v="718" actId="207"/>
+          <ac:spMkLst>
+            <pc:docMk/>
+            <pc:sldMk cId="1389920690" sldId="267"/>
+            <ac:spMk id="8" creationId="{A0C7B2F1-3FD7-46DB-ACEB-DBC9EEB4953B}"/>
+          </ac:spMkLst>
+        </pc:spChg>
+        <pc:spChg chg="mod">
+          <ac:chgData name="Ivan Igoshev" userId="a040743a-0e34-48e2-a9f5-26858867d0d3" providerId="ADAL" clId="{1AD43353-6C96-451A-BB55-BC75F83E7E77}" dt="2022-01-27T23:23:43.853" v="715" actId="20577"/>
+          <ac:spMkLst>
+            <pc:docMk/>
+            <pc:sldMk cId="1389920690" sldId="267"/>
+            <ac:spMk id="160" creationId="{00000000-0000-0000-0000-000000000000}"/>
+          </ac:spMkLst>
+        </pc:spChg>
+      </pc:sldChg>
+      <pc:sldChg chg="addSp delSp modSp del mod ord">
+        <pc:chgData name="Ivan Igoshev" userId="a040743a-0e34-48e2-a9f5-26858867d0d3" providerId="ADAL" clId="{1AD43353-6C96-451A-BB55-BC75F83E7E77}" dt="2022-01-27T22:51:39.865" v="489" actId="47"/>
+        <pc:sldMkLst>
+          <pc:docMk/>
+          <pc:sldMk cId="2816795735" sldId="268"/>
+        </pc:sldMkLst>
+        <pc:spChg chg="mod">
+          <ac:chgData name="Ivan Igoshev" userId="a040743a-0e34-48e2-a9f5-26858867d0d3" providerId="ADAL" clId="{1AD43353-6C96-451A-BB55-BC75F83E7E77}" dt="2022-01-27T22:49:56.493" v="410" actId="20577"/>
+          <ac:spMkLst>
+            <pc:docMk/>
+            <pc:sldMk cId="2816795735" sldId="268"/>
+            <ac:spMk id="164" creationId="{00000000-0000-0000-0000-000000000000}"/>
+          </ac:spMkLst>
+        </pc:spChg>
+        <pc:picChg chg="add del mod">
+          <ac:chgData name="Ivan Igoshev" userId="a040743a-0e34-48e2-a9f5-26858867d0d3" providerId="ADAL" clId="{1AD43353-6C96-451A-BB55-BC75F83E7E77}" dt="2022-01-27T22:40:07.479" v="121" actId="478"/>
+          <ac:picMkLst>
+            <pc:docMk/>
+            <pc:sldMk cId="2816795735" sldId="268"/>
+            <ac:picMk id="3" creationId="{52F05A60-7129-42A0-BC0D-F9531414A744}"/>
+          </ac:picMkLst>
+        </pc:picChg>
+      </pc:sldChg>
+      <pc:sldChg chg="ord">
+        <pc:chgData name="Ivan Igoshev" userId="a040743a-0e34-48e2-a9f5-26858867d0d3" providerId="ADAL" clId="{1AD43353-6C96-451A-BB55-BC75F83E7E77}" dt="2022-01-27T23:21:04.695" v="683"/>
+        <pc:sldMkLst>
+          <pc:docMk/>
+          <pc:sldMk cId="3411788618" sldId="269"/>
+        </pc:sldMkLst>
+      </pc:sldChg>
+      <pc:sldChg chg="addSp modSp add mod">
+        <pc:chgData name="Ivan Igoshev" userId="a040743a-0e34-48e2-a9f5-26858867d0d3" providerId="ADAL" clId="{1AD43353-6C96-451A-BB55-BC75F83E7E77}" dt="2022-01-27T22:54:20.507" v="493" actId="1076"/>
+        <pc:sldMkLst>
+          <pc:docMk/>
+          <pc:sldMk cId="556606209" sldId="270"/>
+        </pc:sldMkLst>
+        <pc:spChg chg="add mod">
+          <ac:chgData name="Ivan Igoshev" userId="a040743a-0e34-48e2-a9f5-26858867d0d3" providerId="ADAL" clId="{1AD43353-6C96-451A-BB55-BC75F83E7E77}" dt="2022-01-27T22:54:20.507" v="493" actId="1076"/>
+          <ac:spMkLst>
+            <pc:docMk/>
+            <pc:sldMk cId="556606209" sldId="270"/>
+            <ac:spMk id="6" creationId="{297C8B31-F1DE-4F43-95ED-8E811401CF40}"/>
+          </ac:spMkLst>
+        </pc:spChg>
+        <pc:picChg chg="add mod modCrop">
+          <ac:chgData name="Ivan Igoshev" userId="a040743a-0e34-48e2-a9f5-26858867d0d3" providerId="ADAL" clId="{1AD43353-6C96-451A-BB55-BC75F83E7E77}" dt="2022-01-27T22:32:06.230" v="64" actId="1076"/>
+          <ac:picMkLst>
+            <pc:docMk/>
+            <pc:sldMk cId="556606209" sldId="270"/>
+            <ac:picMk id="3" creationId="{99E9698F-7285-4CEA-8BA4-59E33B33A310}"/>
+          </ac:picMkLst>
+        </pc:picChg>
+        <pc:picChg chg="mod">
+          <ac:chgData name="Ivan Igoshev" userId="a040743a-0e34-48e2-a9f5-26858867d0d3" providerId="ADAL" clId="{1AD43353-6C96-451A-BB55-BC75F83E7E77}" dt="2022-01-27T22:27:24.425" v="46" actId="1076"/>
+          <ac:picMkLst>
+            <pc:docMk/>
+            <pc:sldMk cId="556606209" sldId="270"/>
+            <ac:picMk id="5" creationId="{33379F11-89EB-44E6-AC4A-B16C46C015AB}"/>
+          </ac:picMkLst>
+        </pc:picChg>
+      </pc:sldChg>
+      <pc:sldChg chg="addSp modSp add mod">
+        <pc:chgData name="Ivan Igoshev" userId="a040743a-0e34-48e2-a9f5-26858867d0d3" providerId="ADAL" clId="{1AD43353-6C96-451A-BB55-BC75F83E7E77}" dt="2022-01-27T22:54:25.118" v="495" actId="1076"/>
+        <pc:sldMkLst>
+          <pc:docMk/>
+          <pc:sldMk cId="2391337152" sldId="271"/>
+        </pc:sldMkLst>
+        <pc:spChg chg="add mod">
+          <ac:chgData name="Ivan Igoshev" userId="a040743a-0e34-48e2-a9f5-26858867d0d3" providerId="ADAL" clId="{1AD43353-6C96-451A-BB55-BC75F83E7E77}" dt="2022-01-27T22:54:25.118" v="495" actId="1076"/>
+          <ac:spMkLst>
+            <pc:docMk/>
+            <pc:sldMk cId="2391337152" sldId="271"/>
+            <ac:spMk id="6" creationId="{0476398C-5958-4F67-8CA8-E6EACEB2437C}"/>
+          </ac:spMkLst>
+        </pc:spChg>
+        <pc:picChg chg="add mod">
+          <ac:chgData name="Ivan Igoshev" userId="a040743a-0e34-48e2-a9f5-26858867d0d3" providerId="ADAL" clId="{1AD43353-6C96-451A-BB55-BC75F83E7E77}" dt="2022-01-27T22:32:19.274" v="66" actId="1076"/>
+          <ac:picMkLst>
+            <pc:docMk/>
+            <pc:sldMk cId="2391337152" sldId="271"/>
+            <ac:picMk id="3" creationId="{70C5EC5F-40C3-44C6-8A77-6804F9D9080D}"/>
+          </ac:picMkLst>
+        </pc:picChg>
+      </pc:sldChg>
+      <pc:sldChg chg="addSp modSp add mod">
+        <pc:chgData name="Ivan Igoshev" userId="a040743a-0e34-48e2-a9f5-26858867d0d3" providerId="ADAL" clId="{1AD43353-6C96-451A-BB55-BC75F83E7E77}" dt="2022-01-27T22:33:02.745" v="68" actId="1076"/>
+        <pc:sldMkLst>
+          <pc:docMk/>
+          <pc:sldMk cId="2528513107" sldId="272"/>
+        </pc:sldMkLst>
+        <pc:picChg chg="add mod">
+          <ac:chgData name="Ivan Igoshev" userId="a040743a-0e34-48e2-a9f5-26858867d0d3" providerId="ADAL" clId="{1AD43353-6C96-451A-BB55-BC75F83E7E77}" dt="2022-01-27T22:33:02.745" v="68" actId="1076"/>
+          <ac:picMkLst>
+            <pc:docMk/>
+            <pc:sldMk cId="2528513107" sldId="272"/>
+            <ac:picMk id="3" creationId="{442C5B96-3FF8-497F-9F6D-76B694E444E8}"/>
+          </ac:picMkLst>
+        </pc:picChg>
+      </pc:sldChg>
+      <pc:sldChg chg="addSp delSp modSp add mod">
+        <pc:chgData name="Ivan Igoshev" userId="a040743a-0e34-48e2-a9f5-26858867d0d3" providerId="ADAL" clId="{1AD43353-6C96-451A-BB55-BC75F83E7E77}" dt="2022-01-27T22:56:14.950" v="499" actId="20577"/>
+        <pc:sldMkLst>
+          <pc:docMk/>
+          <pc:sldMk cId="2426563395" sldId="273"/>
+        </pc:sldMkLst>
+        <pc:spChg chg="add mod">
+          <ac:chgData name="Ivan Igoshev" userId="a040743a-0e34-48e2-a9f5-26858867d0d3" providerId="ADAL" clId="{1AD43353-6C96-451A-BB55-BC75F83E7E77}" dt="2022-01-27T22:43:58.131" v="255" actId="1076"/>
+          <ac:spMkLst>
+            <pc:docMk/>
+            <pc:sldMk cId="2426563395" sldId="273"/>
+            <ac:spMk id="4" creationId="{B5C9E359-3C0B-493E-818D-C2BEF20ECC55}"/>
+          </ac:spMkLst>
+        </pc:spChg>
+        <pc:spChg chg="add del mod">
+          <ac:chgData name="Ivan Igoshev" userId="a040743a-0e34-48e2-a9f5-26858867d0d3" providerId="ADAL" clId="{1AD43353-6C96-451A-BB55-BC75F83E7E77}" dt="2022-01-27T22:47:38.807" v="323" actId="478"/>
+          <ac:spMkLst>
+            <pc:docMk/>
+            <pc:sldMk cId="2426563395" sldId="273"/>
+            <ac:spMk id="5" creationId="{137895CB-A14D-4861-95BE-010CBC0E8E3C}"/>
+          </ac:spMkLst>
+        </pc:spChg>
+        <pc:spChg chg="add mod">
+          <ac:chgData name="Ivan Igoshev" userId="a040743a-0e34-48e2-a9f5-26858867d0d3" providerId="ADAL" clId="{1AD43353-6C96-451A-BB55-BC75F83E7E77}" dt="2022-01-27T22:49:04.309" v="399" actId="207"/>
+          <ac:spMkLst>
+            <pc:docMk/>
+            <pc:sldMk cId="2426563395" sldId="273"/>
+            <ac:spMk id="6" creationId="{5B3BF6CA-F361-40FE-BF22-DF1EB02FB7FF}"/>
+          </ac:spMkLst>
+        </pc:spChg>
+        <pc:spChg chg="add mod">
+          <ac:chgData name="Ivan Igoshev" userId="a040743a-0e34-48e2-a9f5-26858867d0d3" providerId="ADAL" clId="{1AD43353-6C96-451A-BB55-BC75F83E7E77}" dt="2022-01-27T22:56:14.950" v="499" actId="20577"/>
+          <ac:spMkLst>
+            <pc:docMk/>
+            <pc:sldMk cId="2426563395" sldId="273"/>
+            <ac:spMk id="7" creationId="{902722E4-1602-4129-ADCF-12D737F23F8B}"/>
+          </ac:spMkLst>
+        </pc:spChg>
+        <pc:spChg chg="mod">
+          <ac:chgData name="Ivan Igoshev" userId="a040743a-0e34-48e2-a9f5-26858867d0d3" providerId="ADAL" clId="{1AD43353-6C96-451A-BB55-BC75F83E7E77}" dt="2022-01-27T22:43:13.926" v="253" actId="20577"/>
+          <ac:spMkLst>
+            <pc:docMk/>
+            <pc:sldMk cId="2426563395" sldId="273"/>
+            <ac:spMk id="164" creationId="{00000000-0000-0000-0000-000000000000}"/>
+          </ac:spMkLst>
+        </pc:spChg>
+        <pc:spChg chg="mod">
+          <ac:chgData name="Ivan Igoshev" userId="a040743a-0e34-48e2-a9f5-26858867d0d3" providerId="ADAL" clId="{1AD43353-6C96-451A-BB55-BC75F83E7E77}" dt="2022-01-27T22:43:06.190" v="246" actId="1076"/>
+          <ac:spMkLst>
+            <pc:docMk/>
+            <pc:sldMk cId="2426563395" sldId="273"/>
+            <ac:spMk id="165" creationId="{00000000-0000-0000-0000-000000000000}"/>
+          </ac:spMkLst>
+        </pc:spChg>
+        <pc:picChg chg="add del mod">
+          <ac:chgData name="Ivan Igoshev" userId="a040743a-0e34-48e2-a9f5-26858867d0d3" providerId="ADAL" clId="{1AD43353-6C96-451A-BB55-BC75F83E7E77}" dt="2022-01-27T22:47:36.104" v="321" actId="478"/>
+          <ac:picMkLst>
+            <pc:docMk/>
+            <pc:sldMk cId="2426563395" sldId="273"/>
+            <ac:picMk id="3" creationId="{5D9532C5-61C1-4475-A4A8-8E2C40778F75}"/>
+          </ac:picMkLst>
+        </pc:picChg>
+      </pc:sldChg>
+      <pc:sldChg chg="delSp modSp new mod">
+        <pc:chgData name="Ivan Igoshev" userId="a040743a-0e34-48e2-a9f5-26858867d0d3" providerId="ADAL" clId="{1AD43353-6C96-451A-BB55-BC75F83E7E77}" dt="2022-01-27T22:57:43.593" v="534" actId="1076"/>
+        <pc:sldMkLst>
+          <pc:docMk/>
+          <pc:sldMk cId="2554992809" sldId="275"/>
+        </pc:sldMkLst>
+        <pc:spChg chg="mod">
+          <ac:chgData name="Ivan Igoshev" userId="a040743a-0e34-48e2-a9f5-26858867d0d3" providerId="ADAL" clId="{1AD43353-6C96-451A-BB55-BC75F83E7E77}" dt="2022-01-27T22:57:43.593" v="534" actId="1076"/>
+          <ac:spMkLst>
+            <pc:docMk/>
+            <pc:sldMk cId="2554992809" sldId="275"/>
+            <ac:spMk id="2" creationId="{A930B100-D135-422A-B126-FF7053E5DC94}"/>
+          </ac:spMkLst>
+        </pc:spChg>
+        <pc:spChg chg="del">
+          <ac:chgData name="Ivan Igoshev" userId="a040743a-0e34-48e2-a9f5-26858867d0d3" providerId="ADAL" clId="{1AD43353-6C96-451A-BB55-BC75F83E7E77}" dt="2022-01-27T22:56:55.458" v="504" actId="478"/>
+          <ac:spMkLst>
+            <pc:docMk/>
+            <pc:sldMk cId="2554992809" sldId="275"/>
+            <ac:spMk id="3" creationId="{B063A98C-A4B2-4570-B709-4ABD41B0E0CF}"/>
+          </ac:spMkLst>
+        </pc:spChg>
+      </pc:sldChg>
+      <pc:sldChg chg="ord">
+        <pc:chgData name="Ivan Igoshev" userId="a040743a-0e34-48e2-a9f5-26858867d0d3" providerId="ADAL" clId="{1AD43353-6C96-451A-BB55-BC75F83E7E77}" dt="2022-01-27T23:25:55.710" v="723"/>
+        <pc:sldMkLst>
+          <pc:docMk/>
+          <pc:sldMk cId="815136904" sldId="276"/>
+        </pc:sldMkLst>
+      </pc:sldChg>
+      <pc:sldChg chg="addSp delSp modSp new mod ord">
+        <pc:chgData name="Ivan Igoshev" userId="a040743a-0e34-48e2-a9f5-26858867d0d3" providerId="ADAL" clId="{1AD43353-6C96-451A-BB55-BC75F83E7E77}" dt="2022-01-27T23:21:06.411" v="685"/>
+        <pc:sldMkLst>
+          <pc:docMk/>
+          <pc:sldMk cId="1655896189" sldId="277"/>
+        </pc:sldMkLst>
+        <pc:spChg chg="mod">
+          <ac:chgData name="Ivan Igoshev" userId="a040743a-0e34-48e2-a9f5-26858867d0d3" providerId="ADAL" clId="{1AD43353-6C96-451A-BB55-BC75F83E7E77}" dt="2022-01-27T23:17:39.206" v="559" actId="20577"/>
+          <ac:spMkLst>
+            <pc:docMk/>
+            <pc:sldMk cId="1655896189" sldId="277"/>
+            <ac:spMk id="2" creationId="{AFF69BB7-214B-40F4-88BE-378236B5B9E2}"/>
+          </ac:spMkLst>
+        </pc:spChg>
+        <pc:spChg chg="del">
+          <ac:chgData name="Ivan Igoshev" userId="a040743a-0e34-48e2-a9f5-26858867d0d3" providerId="ADAL" clId="{1AD43353-6C96-451A-BB55-BC75F83E7E77}" dt="2022-01-27T23:16:53.807" v="541" actId="478"/>
+          <ac:spMkLst>
+            <pc:docMk/>
+            <pc:sldMk cId="1655896189" sldId="277"/>
+            <ac:spMk id="3" creationId="{3675ED0F-7B25-4550-8A5D-2319C31CA162}"/>
+          </ac:spMkLst>
+        </pc:spChg>
+        <pc:spChg chg="add mod">
+          <ac:chgData name="Ivan Igoshev" userId="a040743a-0e34-48e2-a9f5-26858867d0d3" providerId="ADAL" clId="{1AD43353-6C96-451A-BB55-BC75F83E7E77}" dt="2022-01-27T23:18:52.350" v="586" actId="255"/>
+          <ac:spMkLst>
+            <pc:docMk/>
+            <pc:sldMk cId="1655896189" sldId="277"/>
+            <ac:spMk id="6" creationId="{A2FC2451-7FD9-43A9-81D1-3BE16BF732EC}"/>
+          </ac:spMkLst>
+        </pc:spChg>
+        <pc:spChg chg="add mod">
+          <ac:chgData name="Ivan Igoshev" userId="a040743a-0e34-48e2-a9f5-26858867d0d3" providerId="ADAL" clId="{1AD43353-6C96-451A-BB55-BC75F83E7E77}" dt="2022-01-27T23:19:17.563" v="610" actId="20577"/>
+          <ac:spMkLst>
+            <pc:docMk/>
+            <pc:sldMk cId="1655896189" sldId="277"/>
+            <ac:spMk id="7" creationId="{22CC7FC0-445A-4654-9B89-ABE0DCEA0552}"/>
+          </ac:spMkLst>
+        </pc:spChg>
+        <pc:spChg chg="add mod">
+          <ac:chgData name="Ivan Igoshev" userId="a040743a-0e34-48e2-a9f5-26858867d0d3" providerId="ADAL" clId="{1AD43353-6C96-451A-BB55-BC75F83E7E77}" dt="2022-01-27T23:19:38.637" v="627" actId="1076"/>
+          <ac:spMkLst>
+            <pc:docMk/>
+            <pc:sldMk cId="1655896189" sldId="277"/>
+            <ac:spMk id="8" creationId="{B2600152-D3A9-4EB3-814A-A7660BE0B58F}"/>
+          </ac:spMkLst>
+        </pc:spChg>
+        <pc:spChg chg="add mod">
+          <ac:chgData name="Ivan Igoshev" userId="a040743a-0e34-48e2-a9f5-26858867d0d3" providerId="ADAL" clId="{1AD43353-6C96-451A-BB55-BC75F83E7E77}" dt="2022-01-27T23:19:58.087" v="648" actId="1076"/>
+          <ac:spMkLst>
+            <pc:docMk/>
+            <pc:sldMk cId="1655896189" sldId="277"/>
+            <ac:spMk id="9" creationId="{5B5918A2-0BF4-4F59-A2A9-873141DE0BCF}"/>
+          </ac:spMkLst>
+        </pc:spChg>
+        <pc:spChg chg="add mod">
+          <ac:chgData name="Ivan Igoshev" userId="a040743a-0e34-48e2-a9f5-26858867d0d3" providerId="ADAL" clId="{1AD43353-6C96-451A-BB55-BC75F83E7E77}" dt="2022-01-27T23:20:10.856" v="660" actId="20577"/>
+          <ac:spMkLst>
+            <pc:docMk/>
+            <pc:sldMk cId="1655896189" sldId="277"/>
+            <ac:spMk id="10" creationId="{C798B0F2-4864-4BB9-B9AE-C7D4505F4201}"/>
+          </ac:spMkLst>
+        </pc:spChg>
+        <pc:spChg chg="add mod">
+          <ac:chgData name="Ivan Igoshev" userId="a040743a-0e34-48e2-a9f5-26858867d0d3" providerId="ADAL" clId="{1AD43353-6C96-451A-BB55-BC75F83E7E77}" dt="2022-01-27T23:20:25.487" v="666" actId="20577"/>
+          <ac:spMkLst>
+            <pc:docMk/>
+            <pc:sldMk cId="1655896189" sldId="277"/>
+            <ac:spMk id="11" creationId="{23655190-39E6-4277-91D4-E34BD01C2842}"/>
+          </ac:spMkLst>
+        </pc:spChg>
+        <pc:spChg chg="add mod">
+          <ac:chgData name="Ivan Igoshev" userId="a040743a-0e34-48e2-a9f5-26858867d0d3" providerId="ADAL" clId="{1AD43353-6C96-451A-BB55-BC75F83E7E77}" dt="2022-01-27T23:20:40.198" v="678" actId="1076"/>
+          <ac:spMkLst>
+            <pc:docMk/>
+            <pc:sldMk cId="1655896189" sldId="277"/>
+            <ac:spMk id="12" creationId="{D24CED5D-4536-4A91-B4D7-DA724260A368}"/>
+          </ac:spMkLst>
+        </pc:spChg>
+        <pc:picChg chg="add mod">
+          <ac:chgData name="Ivan Igoshev" userId="a040743a-0e34-48e2-a9f5-26858867d0d3" providerId="ADAL" clId="{1AD43353-6C96-451A-BB55-BC75F83E7E77}" dt="2022-01-27T23:19:07.942" v="590" actId="1076"/>
+          <ac:picMkLst>
+            <pc:docMk/>
+            <pc:sldMk cId="1655896189" sldId="277"/>
+            <ac:picMk id="5" creationId="{29CC6EDA-4E17-4646-B610-42ABE9FBBE7D}"/>
+          </ac:picMkLst>
+        </pc:picChg>
+      </pc:sldChg>
+      <pc:sldChg chg="addSp delSp modSp new mod">
+        <pc:chgData name="Ivan Igoshev" userId="a040743a-0e34-48e2-a9f5-26858867d0d3" providerId="ADAL" clId="{1AD43353-6C96-451A-BB55-BC75F83E7E77}" dt="2022-01-27T23:29:06.410" v="856" actId="1076"/>
+        <pc:sldMkLst>
+          <pc:docMk/>
+          <pc:sldMk cId="1528133310" sldId="278"/>
+        </pc:sldMkLst>
+        <pc:spChg chg="del">
+          <ac:chgData name="Ivan Igoshev" userId="a040743a-0e34-48e2-a9f5-26858867d0d3" providerId="ADAL" clId="{1AD43353-6C96-451A-BB55-BC75F83E7E77}" dt="2022-01-27T23:27:08.701" v="727" actId="478"/>
+          <ac:spMkLst>
+            <pc:docMk/>
+            <pc:sldMk cId="1528133310" sldId="278"/>
+            <ac:spMk id="2" creationId="{183D3CA8-FE8E-4C1A-A362-05FDE4D00625}"/>
+          </ac:spMkLst>
+        </pc:spChg>
+        <pc:spChg chg="del">
+          <ac:chgData name="Ivan Igoshev" userId="a040743a-0e34-48e2-a9f5-26858867d0d3" providerId="ADAL" clId="{1AD43353-6C96-451A-BB55-BC75F83E7E77}" dt="2022-01-27T23:27:09.547" v="728" actId="478"/>
+          <ac:spMkLst>
+            <pc:docMk/>
+            <pc:sldMk cId="1528133310" sldId="278"/>
+            <ac:spMk id="3" creationId="{7E1E7C20-7158-45FA-9CA8-8768D70BEE9C}"/>
+          </ac:spMkLst>
+        </pc:spChg>
+        <pc:spChg chg="add mod">
+          <ac:chgData name="Ivan Igoshev" userId="a040743a-0e34-48e2-a9f5-26858867d0d3" providerId="ADAL" clId="{1AD43353-6C96-451A-BB55-BC75F83E7E77}" dt="2022-01-27T23:29:06.410" v="856" actId="1076"/>
+          <ac:spMkLst>
+            <pc:docMk/>
+            <pc:sldMk cId="1528133310" sldId="278"/>
+            <ac:spMk id="4" creationId="{0988310A-947D-43CE-BE1B-4ADA92F8E783}"/>
+          </ac:spMkLst>
+        </pc:spChg>
+      </pc:sldChg>
+      <pc:sldMasterChg chg="addSp modSp mod">
+        <pc:chgData name="Ivan Igoshev" userId="a040743a-0e34-48e2-a9f5-26858867d0d3" providerId="ADAL" clId="{1AD43353-6C96-451A-BB55-BC75F83E7E77}" dt="2022-01-27T22:02:12.047" v="12" actId="1076"/>
+        <pc:sldMasterMkLst>
+          <pc:docMk/>
+          <pc:sldMasterMk cId="0" sldId="2147483664"/>
+        </pc:sldMasterMkLst>
+        <pc:picChg chg="add mod">
+          <ac:chgData name="Ivan Igoshev" userId="a040743a-0e34-48e2-a9f5-26858867d0d3" providerId="ADAL" clId="{1AD43353-6C96-451A-BB55-BC75F83E7E77}" dt="2022-01-27T22:02:12.047" v="12" actId="1076"/>
+          <ac:picMkLst>
+            <pc:docMk/>
+            <pc:sldMasterMk cId="0" sldId="2147483664"/>
+            <ac:picMk id="6" creationId="{9C209426-4048-4F9C-AD21-7E90560C9343}"/>
+          </ac:picMkLst>
+        </pc:picChg>
+      </pc:sldMasterChg>
+    </pc:docChg>
+  </pc:docChgLst>
+  <pc:docChgLst>
+    <pc:chgData name="Ivan Igoshev" userId="a040743a-0e34-48e2-a9f5-26858867d0d3" providerId="ADAL" clId="{AD3B3D3F-2B93-E843-BC10-0E6B0101BB8F}"/>
+    <pc:docChg chg="modSld">
+      <pc:chgData name="Ivan Igoshev" userId="a040743a-0e34-48e2-a9f5-26858867d0d3" providerId="ADAL" clId="{AD3B3D3F-2B93-E843-BC10-0E6B0101BB8F}" dt="2022-01-28T02:11:36.519" v="24" actId="20577"/>
+      <pc:docMkLst>
+        <pc:docMk/>
+      </pc:docMkLst>
+      <pc:sldChg chg="modSp">
+        <pc:chgData name="Ivan Igoshev" userId="a040743a-0e34-48e2-a9f5-26858867d0d3" providerId="ADAL" clId="{AD3B3D3F-2B93-E843-BC10-0E6B0101BB8F}" dt="2022-01-28T02:11:36.519" v="24" actId="20577"/>
+        <pc:sldMkLst>
+          <pc:docMk/>
+          <pc:sldMk cId="2554992809" sldId="275"/>
+        </pc:sldMkLst>
+        <pc:spChg chg="mod">
+          <ac:chgData name="Ivan Igoshev" userId="a040743a-0e34-48e2-a9f5-26858867d0d3" providerId="ADAL" clId="{AD3B3D3F-2B93-E843-BC10-0E6B0101BB8F}" dt="2022-01-28T02:11:36.519" v="24" actId="20577"/>
+          <ac:spMkLst>
+            <pc:docMk/>
+            <pc:sldMk cId="2554992809" sldId="275"/>
+            <ac:spMk id="2" creationId="{A930B100-D135-422A-B126-FF7053E5DC94}"/>
+          </ac:spMkLst>
+        </pc:spChg>
+      </pc:sldChg>
+    </pc:docChg>
+  </pc:docChgLst>
+  <pc:docChgLst>
+    <pc:chgData name="Henry Xue" userId="S::y58xue@uwaterloo.ca::bbcaf59e-638b-4de5-ac4e-0f843742cd8f" providerId="AD" clId="Web-{040464D3-F88E-4692-A8B8-6A226B73A95E}"/>
+    <pc:docChg chg="modSld">
+      <pc:chgData name="Henry Xue" userId="S::y58xue@uwaterloo.ca::bbcaf59e-638b-4de5-ac4e-0f843742cd8f" providerId="AD" clId="Web-{040464D3-F88E-4692-A8B8-6A226B73A95E}" dt="2022-01-26T15:49:46.114" v="3" actId="20577"/>
+      <pc:docMkLst>
+        <pc:docMk/>
+      </pc:docMkLst>
+      <pc:sldChg chg="modSp">
+        <pc:chgData name="Henry Xue" userId="S::y58xue@uwaterloo.ca::bbcaf59e-638b-4de5-ac4e-0f843742cd8f" providerId="AD" clId="Web-{040464D3-F88E-4692-A8B8-6A226B73A95E}" dt="2022-01-26T15:49:46.114" v="3" actId="20577"/>
+        <pc:sldMkLst>
+          <pc:docMk/>
+          <pc:sldMk cId="0" sldId="256"/>
+        </pc:sldMkLst>
+        <pc:spChg chg="mod">
+          <ac:chgData name="Henry Xue" userId="S::y58xue@uwaterloo.ca::bbcaf59e-638b-4de5-ac4e-0f843742cd8f" providerId="AD" clId="Web-{040464D3-F88E-4692-A8B8-6A226B73A95E}" dt="2022-01-26T15:49:46.114" v="3" actId="20577"/>
+          <ac:spMkLst>
+            <pc:docMk/>
+            <pc:sldMk cId="0" sldId="256"/>
+            <ac:spMk id="153" creationId="{00000000-0000-0000-0000-000000000000}"/>
+          </ac:spMkLst>
+        </pc:spChg>
+      </pc:sldChg>
+    </pc:docChg>
+  </pc:docChgLst>
+  <pc:docChgLst>
+    <pc:chgData name="Henry Xue" userId="S::y58xue@uwaterloo.ca::bbcaf59e-638b-4de5-ac4e-0f843742cd8f" providerId="AD" clId="Web-{977F25FD-3474-AF39-285F-32BDFD3355E3}"/>
+    <pc:docChg chg="addSld delSld modSld sldOrd">
+      <pc:chgData name="Henry Xue" userId="S::y58xue@uwaterloo.ca::bbcaf59e-638b-4de5-ac4e-0f843742cd8f" providerId="AD" clId="Web-{977F25FD-3474-AF39-285F-32BDFD3355E3}" dt="2022-01-27T23:02:57.110" v="390" actId="20577"/>
+      <pc:docMkLst>
+        <pc:docMk/>
+      </pc:docMkLst>
+      <pc:sldChg chg="addSp delSp modSp">
+        <pc:chgData name="Henry Xue" userId="S::y58xue@uwaterloo.ca::bbcaf59e-638b-4de5-ac4e-0f843742cd8f" providerId="AD" clId="Web-{977F25FD-3474-AF39-285F-32BDFD3355E3}" dt="2022-01-27T23:02:57.110" v="390" actId="20577"/>
+        <pc:sldMkLst>
+          <pc:docMk/>
+          <pc:sldMk cId="1573311491" sldId="262"/>
+        </pc:sldMkLst>
+        <pc:spChg chg="add mod">
+          <ac:chgData name="Henry Xue" userId="S::y58xue@uwaterloo.ca::bbcaf59e-638b-4de5-ac4e-0f843742cd8f" providerId="AD" clId="Web-{977F25FD-3474-AF39-285F-32BDFD3355E3}" dt="2022-01-27T21:21:28.644" v="369" actId="20577"/>
+          <ac:spMkLst>
+            <pc:docMk/>
+            <pc:sldMk cId="1573311491" sldId="262"/>
+            <ac:spMk id="2" creationId="{3E2E4C1B-ED31-4EAB-B3B2-F176072EF0FB}"/>
+          </ac:spMkLst>
+        </pc:spChg>
+        <pc:spChg chg="mod">
+          <ac:chgData name="Henry Xue" userId="S::y58xue@uwaterloo.ca::bbcaf59e-638b-4de5-ac4e-0f843742cd8f" providerId="AD" clId="Web-{977F25FD-3474-AF39-285F-32BDFD3355E3}" dt="2022-01-27T20:36:48.595" v="201" actId="1076"/>
+          <ac:spMkLst>
+            <pc:docMk/>
+            <pc:sldMk cId="1573311491" sldId="262"/>
+            <ac:spMk id="3" creationId="{DEDE43FE-830E-4806-85C9-D779516F02CC}"/>
+          </ac:spMkLst>
+        </pc:spChg>
+        <pc:spChg chg="mod">
+          <ac:chgData name="Henry Xue" userId="S::y58xue@uwaterloo.ca::bbcaf59e-638b-4de5-ac4e-0f843742cd8f" providerId="AD" clId="Web-{977F25FD-3474-AF39-285F-32BDFD3355E3}" dt="2022-01-27T20:36:34.485" v="199" actId="14100"/>
+          <ac:spMkLst>
+            <pc:docMk/>
+            <pc:sldMk cId="1573311491" sldId="262"/>
+            <ac:spMk id="4" creationId="{A5CD6947-2828-4855-B2B3-CB0F8234A11C}"/>
+          </ac:spMkLst>
+        </pc:spChg>
+        <pc:spChg chg="mod">
+          <ac:chgData name="Henry Xue" userId="S::y58xue@uwaterloo.ca::bbcaf59e-638b-4de5-ac4e-0f843742cd8f" providerId="AD" clId="Web-{977F25FD-3474-AF39-285F-32BDFD3355E3}" dt="2022-01-27T20:36:55.345" v="203" actId="14100"/>
+          <ac:spMkLst>
+            <pc:docMk/>
+            <pc:sldMk cId="1573311491" sldId="262"/>
+            <ac:spMk id="5" creationId="{6566029C-C840-42C4-A6BC-3BAE6FDD6F72}"/>
+          </ac:spMkLst>
+        </pc:spChg>
+        <pc:spChg chg="mod">
+          <ac:chgData name="Henry Xue" userId="S::y58xue@uwaterloo.ca::bbcaf59e-638b-4de5-ac4e-0f843742cd8f" providerId="AD" clId="Web-{977F25FD-3474-AF39-285F-32BDFD3355E3}" dt="2022-01-27T20:22:04.631" v="75" actId="14100"/>
+          <ac:spMkLst>
+            <pc:docMk/>
+            <pc:sldMk cId="1573311491" sldId="262"/>
+            <ac:spMk id="6" creationId="{62FC027B-EE7C-4204-B1E6-AF0C325AF1F6}"/>
+          </ac:spMkLst>
+        </pc:spChg>
+        <pc:spChg chg="mod">
+          <ac:chgData name="Henry Xue" userId="S::y58xue@uwaterloo.ca::bbcaf59e-638b-4de5-ac4e-0f843742cd8f" providerId="AD" clId="Web-{977F25FD-3474-AF39-285F-32BDFD3355E3}" dt="2022-01-27T20:22:12.209" v="80"/>
+          <ac:spMkLst>
+            <pc:docMk/>
+            <pc:sldMk cId="1573311491" sldId="262"/>
+            <ac:spMk id="7" creationId="{DD72D02A-E8E1-440C-B820-82521007D9E5}"/>
+          </ac:spMkLst>
+        </pc:spChg>
+        <pc:spChg chg="mod">
+          <ac:chgData name="Henry Xue" userId="S::y58xue@uwaterloo.ca::bbcaf59e-638b-4de5-ac4e-0f843742cd8f" providerId="AD" clId="Web-{977F25FD-3474-AF39-285F-32BDFD3355E3}" dt="2022-01-27T20:22:16.631" v="81"/>
+          <ac:spMkLst>
+            <pc:docMk/>
+            <pc:sldMk cId="1573311491" sldId="262"/>
+            <ac:spMk id="8" creationId="{48DF536F-B4FB-41B3-8842-5C4F956CBF9B}"/>
+          </ac:spMkLst>
+        </pc:spChg>
+        <pc:spChg chg="del mod">
+          <ac:chgData name="Henry Xue" userId="S::y58xue@uwaterloo.ca::bbcaf59e-638b-4de5-ac4e-0f843742cd8f" providerId="AD" clId="Web-{977F25FD-3474-AF39-285F-32BDFD3355E3}" dt="2022-01-27T20:35:31.407" v="181"/>
+          <ac:spMkLst>
+            <pc:docMk/>
+            <pc:sldMk cId="1573311491" sldId="262"/>
+            <ac:spMk id="13" creationId="{9C4773FC-3139-42A2-BC08-D5275A3C886C}"/>
+          </ac:spMkLst>
+        </pc:spChg>
+        <pc:spChg chg="mod">
+          <ac:chgData name="Henry Xue" userId="S::y58xue@uwaterloo.ca::bbcaf59e-638b-4de5-ac4e-0f843742cd8f" providerId="AD" clId="Web-{977F25FD-3474-AF39-285F-32BDFD3355E3}" dt="2022-01-27T20:31:19.247" v="137" actId="1076"/>
+          <ac:spMkLst>
+            <pc:docMk/>
+            <pc:sldMk cId="1573311491" sldId="262"/>
+            <ac:spMk id="14" creationId="{89FBAED9-9F33-47BD-AE44-0C09CC98CF25}"/>
+          </ac:spMkLst>
+        </pc:spChg>
+        <pc:spChg chg="mod">
+          <ac:chgData name="Henry Xue" userId="S::y58xue@uwaterloo.ca::bbcaf59e-638b-4de5-ac4e-0f843742cd8f" providerId="AD" clId="Web-{977F25FD-3474-AF39-285F-32BDFD3355E3}" dt="2022-01-27T20:39:41.894" v="238" actId="1076"/>
+          <ac:spMkLst>
+            <pc:docMk/>
+            <pc:sldMk cId="1573311491" sldId="262"/>
+            <ac:spMk id="15" creationId="{65803227-EE29-4B71-A1C3-917FBBCC7E30}"/>
+          </ac:spMkLst>
+        </pc:spChg>
+        <pc:spChg chg="mod">
+          <ac:chgData name="Henry Xue" userId="S::y58xue@uwaterloo.ca::bbcaf59e-638b-4de5-ac4e-0f843742cd8f" providerId="AD" clId="Web-{977F25FD-3474-AF39-285F-32BDFD3355E3}" dt="2022-01-27T20:34:53" v="170" actId="1076"/>
+          <ac:spMkLst>
+            <pc:docMk/>
+            <pc:sldMk cId="1573311491" sldId="262"/>
+            <ac:spMk id="16" creationId="{32C9E458-3E81-4BD3-92A4-91F1326C0AAF}"/>
+          </ac:spMkLst>
+        </pc:spChg>
+        <pc:spChg chg="del mod">
+          <ac:chgData name="Henry Xue" userId="S::y58xue@uwaterloo.ca::bbcaf59e-638b-4de5-ac4e-0f843742cd8f" providerId="AD" clId="Web-{977F25FD-3474-AF39-285F-32BDFD3355E3}" dt="2022-01-27T20:35:43.485" v="187"/>
+          <ac:spMkLst>
+            <pc:docMk/>
+            <pc:sldMk cId="1573311491" sldId="262"/>
+            <ac:spMk id="17" creationId="{E87AA93F-448F-4D9E-84BB-1231C38B868A}"/>
+          </ac:spMkLst>
+        </pc:spChg>
+        <pc:spChg chg="del mod">
+          <ac:chgData name="Henry Xue" userId="S::y58xue@uwaterloo.ca::bbcaf59e-638b-4de5-ac4e-0f843742cd8f" providerId="AD" clId="Web-{977F25FD-3474-AF39-285F-32BDFD3355E3}" dt="2022-01-27T20:35:25.485" v="179"/>
+          <ac:spMkLst>
+            <pc:docMk/>
+            <pc:sldMk cId="1573311491" sldId="262"/>
+            <ac:spMk id="18" creationId="{ACFB6B79-F91C-4E4B-8C5D-67541DFA3202}"/>
+          </ac:spMkLst>
+        </pc:spChg>
+        <pc:spChg chg="mod">
+          <ac:chgData name="Henry Xue" userId="S::y58xue@uwaterloo.ca::bbcaf59e-638b-4de5-ac4e-0f843742cd8f" providerId="AD" clId="Web-{977F25FD-3474-AF39-285F-32BDFD3355E3}" dt="2022-01-27T21:18:19.079" v="344"/>
+          <ac:spMkLst>
+            <pc:docMk/>
+            <pc:sldMk cId="1573311491" sldId="262"/>
+            <ac:spMk id="19" creationId="{FB5D3533-6611-4170-B776-73FA9B00F251}"/>
+          </ac:spMkLst>
+        </pc:spChg>
+        <pc:spChg chg="del mod">
+          <ac:chgData name="Henry Xue" userId="S::y58xue@uwaterloo.ca::bbcaf59e-638b-4de5-ac4e-0f843742cd8f" providerId="AD" clId="Web-{977F25FD-3474-AF39-285F-32BDFD3355E3}" dt="2022-01-27T20:35:24.203" v="178"/>
+          <ac:spMkLst>
+            <pc:docMk/>
+            <pc:sldMk cId="1573311491" sldId="262"/>
+            <ac:spMk id="20" creationId="{73F9CD8D-E105-4D4E-97B3-84343A8E01B6}"/>
+          </ac:spMkLst>
+        </pc:spChg>
+        <pc:spChg chg="del mod">
+          <ac:chgData name="Henry Xue" userId="S::y58xue@uwaterloo.ca::bbcaf59e-638b-4de5-ac4e-0f843742cd8f" providerId="AD" clId="Web-{977F25FD-3474-AF39-285F-32BDFD3355E3}" dt="2022-01-27T20:35:29.672" v="180"/>
+          <ac:spMkLst>
+            <pc:docMk/>
+            <pc:sldMk cId="1573311491" sldId="262"/>
+            <ac:spMk id="21" creationId="{89211CC6-5A22-4A5F-BBDA-25911C7CE27A}"/>
+          </ac:spMkLst>
+        </pc:spChg>
+        <pc:spChg chg="add del mod">
+          <ac:chgData name="Henry Xue" userId="S::y58xue@uwaterloo.ca::bbcaf59e-638b-4de5-ac4e-0f843742cd8f" providerId="AD" clId="Web-{977F25FD-3474-AF39-285F-32BDFD3355E3}" dt="2022-01-27T20:35:37.375" v="184"/>
+          <ac:spMkLst>
+            <pc:docMk/>
+            <pc:sldMk cId="1573311491" sldId="262"/>
+            <ac:spMk id="22" creationId="{A48766D9-B073-4A5F-8CE6-0672FE034C84}"/>
+          </ac:spMkLst>
+        </pc:spChg>
+        <pc:spChg chg="add del mod">
+          <ac:chgData name="Henry Xue" userId="S::y58xue@uwaterloo.ca::bbcaf59e-638b-4de5-ac4e-0f843742cd8f" providerId="AD" clId="Web-{977F25FD-3474-AF39-285F-32BDFD3355E3}" dt="2022-01-27T20:35:45.579" v="188"/>
+          <ac:spMkLst>
+            <pc:docMk/>
+            <pc:sldMk cId="1573311491" sldId="262"/>
+            <ac:spMk id="23" creationId="{49D8C56A-661A-4ABF-AE10-B6E2EB4A18D6}"/>
+          </ac:spMkLst>
+        </pc:spChg>
+        <pc:spChg chg="mod">
+          <ac:chgData name="Henry Xue" userId="S::y58xue@uwaterloo.ca::bbcaf59e-638b-4de5-ac4e-0f843742cd8f" providerId="AD" clId="Web-{977F25FD-3474-AF39-285F-32BDFD3355E3}" dt="2022-01-27T20:32:21.060" v="152" actId="1076"/>
+          <ac:spMkLst>
+            <pc:docMk/>
+            <pc:sldMk cId="1573311491" sldId="262"/>
+            <ac:spMk id="24" creationId="{4D417E2F-3E8B-4F86-963C-11394905CCAB}"/>
+          </ac:spMkLst>
+        </pc:spChg>
+        <pc:spChg chg="add del mod">
+          <ac:chgData name="Henry Xue" userId="S::y58xue@uwaterloo.ca::bbcaf59e-638b-4de5-ac4e-0f843742cd8f" providerId="AD" clId="Web-{977F25FD-3474-AF39-285F-32BDFD3355E3}" dt="2022-01-27T20:35:40.641" v="186"/>
+          <ac:spMkLst>
+            <pc:docMk/>
+            <pc:sldMk cId="1573311491" sldId="262"/>
+            <ac:spMk id="25" creationId="{87C94AF7-5693-4F29-8AD3-546D6495D3D3}"/>
+          </ac:spMkLst>
+        </pc:spChg>
+        <pc:spChg chg="mod">
+          <ac:chgData name="Henry Xue" userId="S::y58xue@uwaterloo.ca::bbcaf59e-638b-4de5-ac4e-0f843742cd8f" providerId="AD" clId="Web-{977F25FD-3474-AF39-285F-32BDFD3355E3}" dt="2022-01-27T20:39:37.910" v="237" actId="1076"/>
+          <ac:spMkLst>
+            <pc:docMk/>
+            <pc:sldMk cId="1573311491" sldId="262"/>
+            <ac:spMk id="26" creationId="{366125D8-9741-4BAC-B3E4-78DD31248C08}"/>
+          </ac:spMkLst>
+        </pc:spChg>
+        <pc:spChg chg="mod">
+          <ac:chgData name="Henry Xue" userId="S::y58xue@uwaterloo.ca::bbcaf59e-638b-4de5-ac4e-0f843742cd8f" providerId="AD" clId="Web-{977F25FD-3474-AF39-285F-32BDFD3355E3}" dt="2022-01-27T20:25:01.992" v="133" actId="20577"/>
+          <ac:spMkLst>
+            <pc:docMk/>
+            <pc:sldMk cId="1573311491" sldId="262"/>
+            <ac:spMk id="27" creationId="{5EA29F06-3D1C-4D03-B194-5A8F994B3BF7}"/>
+          </ac:spMkLst>
+        </pc:spChg>
+        <pc:spChg chg="add mod">
+          <ac:chgData name="Henry Xue" userId="S::y58xue@uwaterloo.ca::bbcaf59e-638b-4de5-ac4e-0f843742cd8f" providerId="AD" clId="Web-{977F25FD-3474-AF39-285F-32BDFD3355E3}" dt="2022-01-27T20:21:32.365" v="71" actId="20577"/>
+          <ac:spMkLst>
+            <pc:docMk/>
+            <pc:sldMk cId="1573311491" sldId="262"/>
+            <ac:spMk id="28" creationId="{5BAE0E00-7580-42F8-BE29-FD71A05F7E88}"/>
+          </ac:spMkLst>
+        </pc:spChg>
+        <pc:spChg chg="add mod">
+          <ac:chgData name="Henry Xue" userId="S::y58xue@uwaterloo.ca::bbcaf59e-638b-4de5-ac4e-0f843742cd8f" providerId="AD" clId="Web-{977F25FD-3474-AF39-285F-32BDFD3355E3}" dt="2022-01-27T20:31:30.685" v="141" actId="1076"/>
+          <ac:spMkLst>
+            <pc:docMk/>
+            <pc:sldMk cId="1573311491" sldId="262"/>
+            <ac:spMk id="29" creationId="{7EDA356F-D410-4BC8-9901-784978D832AC}"/>
+          </ac:spMkLst>
+        </pc:spChg>
+        <pc:spChg chg="add del mod">
+          <ac:chgData name="Henry Xue" userId="S::y58xue@uwaterloo.ca::bbcaf59e-638b-4de5-ac4e-0f843742cd8f" providerId="AD" clId="Web-{977F25FD-3474-AF39-285F-32BDFD3355E3}" dt="2022-01-27T20:35:38.407" v="185"/>
+          <ac:spMkLst>
+            <pc:docMk/>
+            <pc:sldMk cId="1573311491" sldId="262"/>
+            <ac:spMk id="30" creationId="{30A6AA0F-4774-42DD-8DF9-E9BAAB3EC7C3}"/>
+          </ac:spMkLst>
+        </pc:spChg>
+        <pc:spChg chg="add del mod">
+          <ac:chgData name="Henry Xue" userId="S::y58xue@uwaterloo.ca::bbcaf59e-638b-4de5-ac4e-0f843742cd8f" providerId="AD" clId="Web-{977F25FD-3474-AF39-285F-32BDFD3355E3}" dt="2022-01-27T20:35:34.094" v="183"/>
+          <ac:spMkLst>
+            <pc:docMk/>
+            <pc:sldMk cId="1573311491" sldId="262"/>
+            <ac:spMk id="31" creationId="{81BC5BB1-A1DC-4EE5-9325-EB33DD4F8C8B}"/>
+          </ac:spMkLst>
+        </pc:spChg>
+        <pc:spChg chg="add del mod">
+          <ac:chgData name="Henry Xue" userId="S::y58xue@uwaterloo.ca::bbcaf59e-638b-4de5-ac4e-0f843742cd8f" providerId="AD" clId="Web-{977F25FD-3474-AF39-285F-32BDFD3355E3}" dt="2022-01-27T20:35:32.500" v="182"/>
+          <ac:spMkLst>
+            <pc:docMk/>
+            <pc:sldMk cId="1573311491" sldId="262"/>
+            <ac:spMk id="32" creationId="{32206A1E-FA6B-4851-B93F-3EACADDD7FF0}"/>
+          </ac:spMkLst>
+        </pc:spChg>
+        <pc:spChg chg="add mod">
+          <ac:chgData name="Henry Xue" userId="S::y58xue@uwaterloo.ca::bbcaf59e-638b-4de5-ac4e-0f843742cd8f" providerId="AD" clId="Web-{977F25FD-3474-AF39-285F-32BDFD3355E3}" dt="2022-01-27T20:39:27.034" v="235" actId="1076"/>
+          <ac:spMkLst>
+            <pc:docMk/>
+            <pc:sldMk cId="1573311491" sldId="262"/>
+            <ac:spMk id="33" creationId="{9A3A0C61-9A01-450D-99FF-555D3A8793E7}"/>
+          </ac:spMkLst>
+        </pc:spChg>
+        <pc:spChg chg="add mod">
+          <ac:chgData name="Henry Xue" userId="S::y58xue@uwaterloo.ca::bbcaf59e-638b-4de5-ac4e-0f843742cd8f" providerId="AD" clId="Web-{977F25FD-3474-AF39-285F-32BDFD3355E3}" dt="2022-01-27T20:36:03.501" v="193" actId="1076"/>
+          <ac:spMkLst>
+            <pc:docMk/>
+            <pc:sldMk cId="1573311491" sldId="262"/>
+            <ac:spMk id="34" creationId="{2B7503DB-3118-4597-B2CC-8034A1B867F1}"/>
+          </ac:spMkLst>
+        </pc:spChg>
+        <pc:spChg chg="add mod">
+          <ac:chgData name="Henry Xue" userId="S::y58xue@uwaterloo.ca::bbcaf59e-638b-4de5-ac4e-0f843742cd8f" providerId="AD" clId="Web-{977F25FD-3474-AF39-285F-32BDFD3355E3}" dt="2022-01-27T20:37:03.330" v="205" actId="1076"/>
+          <ac:spMkLst>
+            <pc:docMk/>
+            <pc:sldMk cId="1573311491" sldId="262"/>
+            <ac:spMk id="35" creationId="{629E8500-12E0-4365-BF74-CFEE99461C47}"/>
+          </ac:spMkLst>
+        </pc:spChg>
+        <pc:spChg chg="add mod">
+          <ac:chgData name="Henry Xue" userId="S::y58xue@uwaterloo.ca::bbcaf59e-638b-4de5-ac4e-0f843742cd8f" providerId="AD" clId="Web-{977F25FD-3474-AF39-285F-32BDFD3355E3}" dt="2022-01-27T20:37:07.205" v="207" actId="1076"/>
+          <ac:spMkLst>
+            <pc:docMk/>
+            <pc:sldMk cId="1573311491" sldId="262"/>
+            <ac:spMk id="36" creationId="{CC703318-F732-42B3-9664-5E9E596AD3E4}"/>
+          </ac:spMkLst>
+        </pc:spChg>
+        <pc:spChg chg="add mod">
+          <ac:chgData name="Henry Xue" userId="S::y58xue@uwaterloo.ca::bbcaf59e-638b-4de5-ac4e-0f843742cd8f" providerId="AD" clId="Web-{977F25FD-3474-AF39-285F-32BDFD3355E3}" dt="2022-01-27T20:37:14.814" v="210" actId="1076"/>
+          <ac:spMkLst>
+            <pc:docMk/>
+            <pc:sldMk cId="1573311491" sldId="262"/>
+            <ac:spMk id="37" creationId="{77202AD8-D431-4797-AACA-0E4A4195A455}"/>
+          </ac:spMkLst>
+        </pc:spChg>
+        <pc:spChg chg="add mod">
+          <ac:chgData name="Henry Xue" userId="S::y58xue@uwaterloo.ca::bbcaf59e-638b-4de5-ac4e-0f843742cd8f" providerId="AD" clId="Web-{977F25FD-3474-AF39-285F-32BDFD3355E3}" dt="2022-01-27T20:37:22.142" v="212" actId="1076"/>
+          <ac:spMkLst>
+            <pc:docMk/>
+            <pc:sldMk cId="1573311491" sldId="262"/>
+            <ac:spMk id="38" creationId="{D9C7E729-99B3-47E4-B71A-07A7BF6CC554}"/>
+          </ac:spMkLst>
+        </pc:spChg>
+        <pc:spChg chg="add mod">
+          <ac:chgData name="Henry Xue" userId="S::y58xue@uwaterloo.ca::bbcaf59e-638b-4de5-ac4e-0f843742cd8f" providerId="AD" clId="Web-{977F25FD-3474-AF39-285F-32BDFD3355E3}" dt="2022-01-27T20:39:34.066" v="236" actId="1076"/>
+          <ac:spMkLst>
+            <pc:docMk/>
+            <pc:sldMk cId="1573311491" sldId="262"/>
+            <ac:spMk id="39" creationId="{904C8C34-D167-4C58-9B8C-5359B7D6CD17}"/>
+          </ac:spMkLst>
+        </pc:spChg>
+        <pc:spChg chg="add mod">
+          <ac:chgData name="Henry Xue" userId="S::y58xue@uwaterloo.ca::bbcaf59e-638b-4de5-ac4e-0f843742cd8f" providerId="AD" clId="Web-{977F25FD-3474-AF39-285F-32BDFD3355E3}" dt="2022-01-27T20:37:38.783" v="216" actId="1076"/>
+          <ac:spMkLst>
+            <pc:docMk/>
+            <pc:sldMk cId="1573311491" sldId="262"/>
+            <ac:spMk id="40" creationId="{0413F3D9-87A5-438A-826C-103AE0B37B46}"/>
+          </ac:spMkLst>
+        </pc:spChg>
+        <pc:spChg chg="add mod">
+          <ac:chgData name="Henry Xue" userId="S::y58xue@uwaterloo.ca::bbcaf59e-638b-4de5-ac4e-0f843742cd8f" providerId="AD" clId="Web-{977F25FD-3474-AF39-285F-32BDFD3355E3}" dt="2022-01-27T20:37:44.830" v="218" actId="1076"/>
+          <ac:spMkLst>
+            <pc:docMk/>
+            <pc:sldMk cId="1573311491" sldId="262"/>
+            <ac:spMk id="41" creationId="{D0838700-4E67-4340-808F-92F899CCB22B}"/>
+          </ac:spMkLst>
+        </pc:spChg>
+        <pc:spChg chg="add mod">
+          <ac:chgData name="Henry Xue" userId="S::y58xue@uwaterloo.ca::bbcaf59e-638b-4de5-ac4e-0f843742cd8f" providerId="AD" clId="Web-{977F25FD-3474-AF39-285F-32BDFD3355E3}" dt="2022-01-27T20:38:34.003" v="232" actId="20577"/>
+          <ac:spMkLst>
+            <pc:docMk/>
+            <pc:sldMk cId="1573311491" sldId="262"/>
+            <ac:spMk id="42" creationId="{3D890DA6-046B-4F7F-B501-F1DEAE610122}"/>
+          </ac:spMkLst>
+        </pc:spChg>
+        <pc:spChg chg="add mod">
+          <ac:chgData name="Henry Xue" userId="S::y58xue@uwaterloo.ca::bbcaf59e-638b-4de5-ac4e-0f843742cd8f" providerId="AD" clId="Web-{977F25FD-3474-AF39-285F-32BDFD3355E3}" dt="2022-01-27T20:46:47.071" v="256" actId="20577"/>
+          <ac:spMkLst>
+            <pc:docMk/>
+            <pc:sldMk cId="1573311491" sldId="262"/>
+            <ac:spMk id="43" creationId="{1733EE85-5EA0-4A34-B9F6-C88D1C508204}"/>
+          </ac:spMkLst>
+        </pc:spChg>
+        <pc:spChg chg="add mod">
+          <ac:chgData name="Henry Xue" userId="S::y58xue@uwaterloo.ca::bbcaf59e-638b-4de5-ac4e-0f843742cd8f" providerId="AD" clId="Web-{977F25FD-3474-AF39-285F-32BDFD3355E3}" dt="2022-01-27T21:21:55.660" v="374" actId="1076"/>
+          <ac:spMkLst>
+            <pc:docMk/>
+            <pc:sldMk cId="1573311491" sldId="262"/>
+            <ac:spMk id="44" creationId="{8915A974-07A7-496B-A864-9698229B992F}"/>
+          </ac:spMkLst>
+        </pc:spChg>
+        <pc:spChg chg="add del mod">
+          <ac:chgData name="Henry Xue" userId="S::y58xue@uwaterloo.ca::bbcaf59e-638b-4de5-ac4e-0f843742cd8f" providerId="AD" clId="Web-{977F25FD-3474-AF39-285F-32BDFD3355E3}" dt="2022-01-27T21:23:31.708" v="379"/>
+          <ac:spMkLst>
+            <pc:docMk/>
+            <pc:sldMk cId="1573311491" sldId="262"/>
+            <ac:spMk id="45" creationId="{6C975EA6-850F-4222-AE01-E9545EDDBC46}"/>
+          </ac:spMkLst>
+        </pc:spChg>
+        <pc:spChg chg="add mod">
+          <ac:chgData name="Henry Xue" userId="S::y58xue@uwaterloo.ca::bbcaf59e-638b-4de5-ac4e-0f843742cd8f" providerId="AD" clId="Web-{977F25FD-3474-AF39-285F-32BDFD3355E3}" dt="2022-01-27T21:22:54.113" v="378" actId="1076"/>
+          <ac:spMkLst>
+            <pc:docMk/>
+            <pc:sldMk cId="1573311491" sldId="262"/>
+            <ac:spMk id="46" creationId="{AE4EFE2E-522C-4377-98C7-16B4E1356FDB}"/>
+          </ac:spMkLst>
+        </pc:spChg>
+        <pc:spChg chg="add mod">
+          <ac:chgData name="Henry Xue" userId="S::y58xue@uwaterloo.ca::bbcaf59e-638b-4de5-ac4e-0f843742cd8f" providerId="AD" clId="Web-{977F25FD-3474-AF39-285F-32BDFD3355E3}" dt="2022-01-27T21:23:38.708" v="381" actId="1076"/>
+          <ac:spMkLst>
+            <pc:docMk/>
+            <pc:sldMk cId="1573311491" sldId="262"/>
+            <ac:spMk id="47" creationId="{01D1CA08-E009-4322-9650-B351DB1AB538}"/>
+          </ac:spMkLst>
+        </pc:spChg>
+        <pc:spChg chg="add mod">
+          <ac:chgData name="Henry Xue" userId="S::y58xue@uwaterloo.ca::bbcaf59e-638b-4de5-ac4e-0f843742cd8f" providerId="AD" clId="Web-{977F25FD-3474-AF39-285F-32BDFD3355E3}" dt="2022-01-27T21:24:42.552" v="388" actId="1076"/>
+          <ac:spMkLst>
+            <pc:docMk/>
+            <pc:sldMk cId="1573311491" sldId="262"/>
+            <ac:spMk id="48" creationId="{6E06A6E6-88CA-4210-AB3F-DFD0BFD3C776}"/>
+          </ac:spMkLst>
+        </pc:spChg>
+        <pc:spChg chg="mod">
+          <ac:chgData name="Henry Xue" userId="S::y58xue@uwaterloo.ca::bbcaf59e-638b-4de5-ac4e-0f843742cd8f" providerId="AD" clId="Web-{977F25FD-3474-AF39-285F-32BDFD3355E3}" dt="2022-01-27T23:02:57.110" v="390" actId="20577"/>
+          <ac:spMkLst>
+            <pc:docMk/>
+            <pc:sldMk cId="1573311491" sldId="262"/>
+            <ac:spMk id="167" creationId="{00000000-0000-0000-0000-000000000000}"/>
+          </ac:spMkLst>
+        </pc:spChg>
+      </pc:sldChg>
+      <pc:sldChg chg="delSp modSp add del ord replId">
+        <pc:chgData name="Henry Xue" userId="S::y58xue@uwaterloo.ca::bbcaf59e-638b-4de5-ac4e-0f843742cd8f" providerId="AD" clId="Web-{977F25FD-3474-AF39-285F-32BDFD3355E3}" dt="2022-01-27T20:54:06.030" v="342"/>
+        <pc:sldMkLst>
+          <pc:docMk/>
+          <pc:sldMk cId="3051695923" sldId="269"/>
+        </pc:sldMkLst>
+        <pc:spChg chg="mod">
+          <ac:chgData name="Henry Xue" userId="S::y58xue@uwaterloo.ca::bbcaf59e-638b-4de5-ac4e-0f843742cd8f" providerId="AD" clId="Web-{977F25FD-3474-AF39-285F-32BDFD3355E3}" dt="2022-01-27T20:49:38.417" v="267" actId="20577"/>
+          <ac:spMkLst>
+            <pc:docMk/>
+            <pc:sldMk cId="3051695923" sldId="269"/>
+            <ac:spMk id="167" creationId="{00000000-0000-0000-0000-000000000000}"/>
+          </ac:spMkLst>
+        </pc:spChg>
+        <pc:spChg chg="mod">
+          <ac:chgData name="Henry Xue" userId="S::y58xue@uwaterloo.ca::bbcaf59e-638b-4de5-ac4e-0f843742cd8f" providerId="AD" clId="Web-{977F25FD-3474-AF39-285F-32BDFD3355E3}" dt="2022-01-27T20:54:04.608" v="341" actId="20577"/>
+          <ac:spMkLst>
+            <pc:docMk/>
+            <pc:sldMk cId="3051695923" sldId="269"/>
+            <ac:spMk id="168" creationId="{00000000-0000-0000-0000-000000000000}"/>
+          </ac:spMkLst>
+        </pc:spChg>
+        <pc:spChg chg="del">
+          <ac:chgData name="Henry Xue" userId="S::y58xue@uwaterloo.ca::bbcaf59e-638b-4de5-ac4e-0f843742cd8f" providerId="AD" clId="Web-{977F25FD-3474-AF39-285F-32BDFD3355E3}" dt="2022-01-27T20:49:51.495" v="268"/>
+          <ac:spMkLst>
+            <pc:docMk/>
+            <pc:sldMk cId="3051695923" sldId="269"/>
+            <ac:spMk id="169" creationId="{00000000-0000-0000-0000-000000000000}"/>
+          </ac:spMkLst>
+        </pc:spChg>
+      </pc:sldChg>
+    </pc:docChg>
+  </pc:docChgLst>
+  <pc:docChgLst>
+    <pc:chgData name="Henry Xue" userId="S::y58xue@uwaterloo.ca::bbcaf59e-638b-4de5-ac4e-0f843742cd8f" providerId="AD" clId="Web-{C8EC613D-35E4-B165-42B5-9B9B3ADB822D}"/>
+    <pc:docChg chg="modSld">
+      <pc:chgData name="Henry Xue" userId="S::y58xue@uwaterloo.ca::bbcaf59e-638b-4de5-ac4e-0f843742cd8f" providerId="AD" clId="Web-{C8EC613D-35E4-B165-42B5-9B9B3ADB822D}" dt="2022-01-28T02:08:50.246" v="409" actId="20577"/>
+      <pc:docMkLst>
+        <pc:docMk/>
+      </pc:docMkLst>
+      <pc:sldChg chg="modSp modNotes">
+        <pc:chgData name="Henry Xue" userId="S::y58xue@uwaterloo.ca::bbcaf59e-638b-4de5-ac4e-0f843742cd8f" providerId="AD" clId="Web-{C8EC613D-35E4-B165-42B5-9B9B3ADB822D}" dt="2022-01-28T02:08:50.246" v="409" actId="20577"/>
+        <pc:sldMkLst>
+          <pc:docMk/>
+          <pc:sldMk cId="815136904" sldId="276"/>
+        </pc:sldMkLst>
+        <pc:spChg chg="mod">
+          <ac:chgData name="Henry Xue" userId="S::y58xue@uwaterloo.ca::bbcaf59e-638b-4de5-ac4e-0f843742cd8f" providerId="AD" clId="Web-{C8EC613D-35E4-B165-42B5-9B9B3ADB822D}" dt="2022-01-28T02:08:50.246" v="409" actId="20577"/>
+          <ac:spMkLst>
+            <pc:docMk/>
+            <pc:sldMk cId="815136904" sldId="276"/>
+            <ac:spMk id="6" creationId="{E6525AAF-5AA5-4152-A352-DAE8B713386A}"/>
+          </ac:spMkLst>
+        </pc:spChg>
+      </pc:sldChg>
     </pc:docChg>
   </pc:docChgLst>
 </pc:chgInfo>
@@ -5995,7 +5995,7 @@
           </a:ln>
           <a:extLst>
             <a:ext uri="{C572A759-6A51-4108-AA02-DFA0A04FC94B}">
-              <ma14:wrappingTextBoxFlag xmlns:ma14="http://schemas.microsoft.com/office/mac/drawingml/2011/main" xmlns:a14="http://schemas.microsoft.com/office/drawing/2010/main" xmlns:m="http://schemas.openxmlformats.org/officeDocument/2006/math" xmlns="" val="1"/>
+              <ma14:wrappingTextBoxFlag xmlns:m="http://schemas.openxmlformats.org/officeDocument/2006/math" xmlns:a14="http://schemas.microsoft.com/office/drawing/2010/main" xmlns:ma14="http://schemas.microsoft.com/office/mac/drawingml/2011/main" xmlns="" val="1"/>
             </a:ext>
           </a:extLst>
         </p:spPr>
@@ -6034,7 +6034,7 @@
           </a:ln>
           <a:extLst>
             <a:ext uri="{C572A759-6A51-4108-AA02-DFA0A04FC94B}">
-              <ma14:wrappingTextBoxFlag xmlns:ma14="http://schemas.microsoft.com/office/mac/drawingml/2011/main" xmlns:a14="http://schemas.microsoft.com/office/drawing/2010/main" xmlns:m="http://schemas.openxmlformats.org/officeDocument/2006/math" xmlns="" val="1"/>
+              <ma14:wrappingTextBoxFlag xmlns:m="http://schemas.openxmlformats.org/officeDocument/2006/math" xmlns:a14="http://schemas.microsoft.com/office/drawing/2010/main" xmlns:ma14="http://schemas.microsoft.com/office/mac/drawingml/2011/main" xmlns="" val="1"/>
             </a:ext>
           </a:extLst>
         </p:spPr>
@@ -9554,7 +9554,7 @@
           </a:ln>
           <a:extLst>
             <a:ext uri="{C572A759-6A51-4108-AA02-DFA0A04FC94B}">
-              <ma14:wrappingTextBoxFlag xmlns:m="http://schemas.openxmlformats.org/officeDocument/2006/math" xmlns:a14="http://schemas.microsoft.com/office/drawing/2010/main" xmlns:ma14="http://schemas.microsoft.com/office/mac/drawingml/2011/main" xmlns="" val="1"/>
+              <ma14:wrappingTextBoxFlag xmlns:ma14="http://schemas.microsoft.com/office/mac/drawingml/2011/main" xmlns:a14="http://schemas.microsoft.com/office/drawing/2010/main" xmlns:m="http://schemas.openxmlformats.org/officeDocument/2006/math" xmlns="" val="1"/>
             </a:ext>
           </a:extLst>
         </p:spPr>
@@ -10384,7 +10384,7 @@
           </a:ln>
           <a:extLst>
             <a:ext uri="{C572A759-6A51-4108-AA02-DFA0A04FC94B}">
-              <ma14:wrappingTextBoxFlag xmlns:m="http://schemas.openxmlformats.org/officeDocument/2006/math" xmlns:a14="http://schemas.microsoft.com/office/drawing/2010/main" xmlns:ma14="http://schemas.microsoft.com/office/mac/drawingml/2011/main" xmlns="" val="1"/>
+              <ma14:wrappingTextBoxFlag xmlns:ma14="http://schemas.microsoft.com/office/mac/drawingml/2011/main" xmlns:a14="http://schemas.microsoft.com/office/drawing/2010/main" xmlns:m="http://schemas.openxmlformats.org/officeDocument/2006/math" xmlns="" val="1"/>
             </a:ext>
           </a:extLst>
         </p:spPr>
@@ -10641,7 +10641,7 @@
               <a:tabLst/>
             </a:pPr>
             <a:r>
-              <a:rPr kumimoji="0" lang="en-US" sz="3200" b="0" i="0" u="none" strike="noStrike" cap="none" spc="0" normalizeH="0" baseline="0" dirty="0">
+              <a:rPr kumimoji="0" lang="en-US" sz="3200" b="0" i="0" u="none" strike="noStrike" cap="none" spc="0" normalizeH="0" baseline="0">
                 <a:ln>
                   <a:noFill/>
                 </a:ln>
@@ -10658,7 +10658,7 @@
               <a:t>Image and video support </a:t>
             </a:r>
             <a:r>
-              <a:rPr kumimoji="0" lang="en-US" sz="3200" b="0" i="0" u="none" strike="noStrike" cap="none" spc="0" normalizeH="0" baseline="0" dirty="0">
+              <a:rPr kumimoji="0" lang="en-US" sz="3200" b="0" i="0" u="none" strike="noStrike" cap="none" spc="0" normalizeH="0" baseline="0">
                 <a:ln>
                   <a:noFill/>
                 </a:ln>
@@ -10676,7 +10676,7 @@
               </a:rPr>
               <a:t>can make my notes more interactive!</a:t>
             </a:r>
-            <a:endParaRPr kumimoji="0" lang="en-GB" sz="3200" b="0" i="0" u="none" strike="noStrike" cap="none" spc="0" normalizeH="0" baseline="0" dirty="0">
+            <a:endParaRPr kumimoji="0" lang="en-GB" sz="3200" b="0" i="0" u="none" strike="noStrike" cap="none" spc="0" normalizeH="0" baseline="0">
               <a:ln>
                 <a:noFill/>
               </a:ln>
@@ -10762,12 +10762,12 @@
           <a:graphicData uri="http://schemas.openxmlformats.org/presentationml/2006/ole">
             <mc:AlternateContent xmlns:mc="http://schemas.openxmlformats.org/markup-compatibility/2006">
               <mc:Choice xmlns:v="urn:schemas-microsoft-com:vml" Requires="v">
-                <p:oleObj name="Document" r:id="rId2" imgW="7052374" imgH="8965676" progId="Word.Document.12">
+                <p:oleObj spid="_x0000_s21505" name="Document" r:id="rId3" imgW="7052374" imgH="8965676" progId="Word.Document.12">
                   <p:embed/>
                 </p:oleObj>
               </mc:Choice>
               <mc:Fallback>
-                <p:oleObj name="Document" r:id="rId2" imgW="7052374" imgH="8965676" progId="Word.Document.12">
+                <p:oleObj name="Document" r:id="rId3" imgW="7052374" imgH="8965676" progId="Word.Document.12">
                   <p:embed/>
                   <p:pic>
                     <p:nvPicPr>
@@ -10782,7 +10782,7 @@
                       <p:nvPr/>
                     </p:nvPicPr>
                     <p:blipFill>
-                      <a:blip r:embed="rId3"/>
+                      <a:blip r:embed="rId4"/>
                       <a:stretch>
                         <a:fillRect/>
                       </a:stretch>
@@ -12061,7 +12061,7 @@
           </a:ln>
           <a:extLst>
             <a:ext uri="{C572A759-6A51-4108-AA02-DFA0A04FC94B}">
-              <ma14:wrappingTextBoxFlag xmlns:m="http://schemas.openxmlformats.org/officeDocument/2006/math" xmlns:a14="http://schemas.microsoft.com/office/drawing/2010/main" xmlns:ma14="http://schemas.microsoft.com/office/mac/drawingml/2011/main" xmlns="" val="1"/>
+              <ma14:wrappingTextBoxFlag xmlns:ma14="http://schemas.microsoft.com/office/mac/drawingml/2011/main" xmlns:a14="http://schemas.microsoft.com/office/drawing/2010/main" xmlns:m="http://schemas.openxmlformats.org/officeDocument/2006/math" xmlns="" val="1"/>
             </a:ext>
           </a:extLst>
         </p:spPr>
@@ -12354,7 +12354,7 @@
           </a:ln>
           <a:extLst>
             <a:ext uri="{C572A759-6A51-4108-AA02-DFA0A04FC94B}">
-              <ma14:wrappingTextBoxFlag xmlns:m="http://schemas.openxmlformats.org/officeDocument/2006/math" xmlns:a14="http://schemas.microsoft.com/office/drawing/2010/main" xmlns:ma14="http://schemas.microsoft.com/office/mac/drawingml/2011/main" xmlns="" val="1"/>
+              <ma14:wrappingTextBoxFlag xmlns:ma14="http://schemas.microsoft.com/office/mac/drawingml/2011/main" xmlns:a14="http://schemas.microsoft.com/office/drawing/2010/main" xmlns:m="http://schemas.openxmlformats.org/officeDocument/2006/math" xmlns="" val="1"/>
             </a:ext>
           </a:extLst>
         </p:spPr>
